--- a/Frontend.pptx
+++ b/Frontend.pptx
@@ -12,6 +12,16 @@
     <p:sldId id="260" r:id="rId6"/>
     <p:sldId id="261" r:id="rId7"/>
     <p:sldId id="262" r:id="rId8"/>
+    <p:sldId id="263" r:id="rId9"/>
+    <p:sldId id="264" r:id="rId10"/>
+    <p:sldId id="265" r:id="rId11"/>
+    <p:sldId id="266" r:id="rId12"/>
+    <p:sldId id="268" r:id="rId13"/>
+    <p:sldId id="267" r:id="rId14"/>
+    <p:sldId id="269" r:id="rId15"/>
+    <p:sldId id="271" r:id="rId16"/>
+    <p:sldId id="272" r:id="rId17"/>
+    <p:sldId id="270" r:id="rId18"/>
   </p:sldIdLst>
   <p:sldSz cx="12192000" cy="6858000"/>
   <p:notesSz cx="6858000" cy="9144000"/>
@@ -302,7 +312,7 @@
             <a:fld id="{B61BEF0D-F0BB-DE4B-95CE-6DB70DBA9567}" type="datetimeFigureOut">
               <a:rPr lang="en-US" dirty="0"/>
               <a:pPr/>
-              <a:t>8/17/2017</a:t>
+              <a:t>8/18/2017</a:t>
             </a:fld>
             <a:endParaRPr lang="en-US" dirty="0"/>
           </a:p>
@@ -637,7 +647,7 @@
             <a:fld id="{B61BEF0D-F0BB-DE4B-95CE-6DB70DBA9567}" type="datetimeFigureOut">
               <a:rPr lang="en-US" dirty="0"/>
               <a:pPr/>
-              <a:t>8/17/2017</a:t>
+              <a:t>8/18/2017</a:t>
             </a:fld>
             <a:endParaRPr lang="en-US" dirty="0"/>
           </a:p>
@@ -1035,7 +1045,7 @@
             <a:fld id="{B61BEF0D-F0BB-DE4B-95CE-6DB70DBA9567}" type="datetimeFigureOut">
               <a:rPr lang="en-US" dirty="0"/>
               <a:pPr/>
-              <a:t>8/17/2017</a:t>
+              <a:t>8/18/2017</a:t>
             </a:fld>
             <a:endParaRPr lang="en-US" dirty="0"/>
           </a:p>
@@ -1368,7 +1378,7 @@
             <a:fld id="{B61BEF0D-F0BB-DE4B-95CE-6DB70DBA9567}" type="datetimeFigureOut">
               <a:rPr lang="en-US" dirty="0"/>
               <a:pPr/>
-              <a:t>8/17/2017</a:t>
+              <a:t>8/18/2017</a:t>
             </a:fld>
             <a:endParaRPr lang="en-US" dirty="0"/>
           </a:p>
@@ -1685,7 +1695,7 @@
             <a:fld id="{B61BEF0D-F0BB-DE4B-95CE-6DB70DBA9567}" type="datetimeFigureOut">
               <a:rPr lang="en-US" dirty="0"/>
               <a:pPr/>
-              <a:t>8/17/2017</a:t>
+              <a:t>8/18/2017</a:t>
             </a:fld>
             <a:endParaRPr lang="en-US" dirty="0"/>
           </a:p>
@@ -2078,7 +2088,7 @@
             <a:fld id="{B61BEF0D-F0BB-DE4B-95CE-6DB70DBA9567}" type="datetimeFigureOut">
               <a:rPr lang="en-US" dirty="0"/>
               <a:pPr/>
-              <a:t>8/17/2017</a:t>
+              <a:t>8/18/2017</a:t>
             </a:fld>
             <a:endParaRPr lang="en-US" dirty="0"/>
           </a:p>
@@ -2332,7 +2342,7 @@
             <a:fld id="{B61BEF0D-F0BB-DE4B-95CE-6DB70DBA9567}" type="datetimeFigureOut">
               <a:rPr lang="en-US" dirty="0"/>
               <a:pPr/>
-              <a:t>8/17/2017</a:t>
+              <a:t>8/18/2017</a:t>
             </a:fld>
             <a:endParaRPr lang="en-US" dirty="0"/>
           </a:p>
@@ -2591,7 +2601,7 @@
             <a:fld id="{B61BEF0D-F0BB-DE4B-95CE-6DB70DBA9567}" type="datetimeFigureOut">
               <a:rPr lang="en-US" dirty="0"/>
               <a:pPr/>
-              <a:t>8/17/2017</a:t>
+              <a:t>8/18/2017</a:t>
             </a:fld>
             <a:endParaRPr lang="en-US" dirty="0"/>
           </a:p>
@@ -2850,7 +2860,7 @@
             <a:fld id="{B61BEF0D-F0BB-DE4B-95CE-6DB70DBA9567}" type="datetimeFigureOut">
               <a:rPr lang="en-US" dirty="0"/>
               <a:pPr/>
-              <a:t>8/17/2017</a:t>
+              <a:t>8/18/2017</a:t>
             </a:fld>
             <a:endParaRPr lang="en-US" dirty="0"/>
           </a:p>
@@ -3176,7 +3186,7 @@
             <a:fld id="{B61BEF0D-F0BB-DE4B-95CE-6DB70DBA9567}" type="datetimeFigureOut">
               <a:rPr lang="en-US" dirty="0"/>
               <a:pPr/>
-              <a:t>8/17/2017</a:t>
+              <a:t>8/18/2017</a:t>
             </a:fld>
             <a:endParaRPr lang="en-US" dirty="0"/>
           </a:p>
@@ -3496,7 +3506,7 @@
             <a:fld id="{B61BEF0D-F0BB-DE4B-95CE-6DB70DBA9567}" type="datetimeFigureOut">
               <a:rPr lang="en-US" dirty="0"/>
               <a:pPr/>
-              <a:t>8/17/2017</a:t>
+              <a:t>8/18/2017</a:t>
             </a:fld>
             <a:endParaRPr lang="en-US" dirty="0"/>
           </a:p>
@@ -3950,7 +3960,7 @@
             <a:fld id="{B61BEF0D-F0BB-DE4B-95CE-6DB70DBA9567}" type="datetimeFigureOut">
               <a:rPr lang="en-US" dirty="0"/>
               <a:pPr/>
-              <a:t>8/17/2017</a:t>
+              <a:t>8/18/2017</a:t>
             </a:fld>
             <a:endParaRPr lang="en-US" dirty="0"/>
           </a:p>
@@ -4152,7 +4162,7 @@
             <a:fld id="{B61BEF0D-F0BB-DE4B-95CE-6DB70DBA9567}" type="datetimeFigureOut">
               <a:rPr lang="en-US" dirty="0"/>
               <a:pPr/>
-              <a:t>8/17/2017</a:t>
+              <a:t>8/18/2017</a:t>
             </a:fld>
             <a:endParaRPr lang="en-US" dirty="0"/>
           </a:p>
@@ -4326,7 +4336,7 @@
             <a:fld id="{B61BEF0D-F0BB-DE4B-95CE-6DB70DBA9567}" type="datetimeFigureOut">
               <a:rPr lang="en-US" dirty="0"/>
               <a:pPr/>
-              <a:t>8/17/2017</a:t>
+              <a:t>8/18/2017</a:t>
             </a:fld>
             <a:endParaRPr lang="en-US" dirty="0"/>
           </a:p>
@@ -4656,7 +4666,7 @@
             <a:fld id="{B61BEF0D-F0BB-DE4B-95CE-6DB70DBA9567}" type="datetimeFigureOut">
               <a:rPr lang="en-US" dirty="0"/>
               <a:pPr/>
-              <a:t>8/17/2017</a:t>
+              <a:t>8/18/2017</a:t>
             </a:fld>
             <a:endParaRPr lang="en-US" dirty="0"/>
           </a:p>
@@ -4998,7 +5008,7 @@
             <a:fld id="{B61BEF0D-F0BB-DE4B-95CE-6DB70DBA9567}" type="datetimeFigureOut">
               <a:rPr lang="en-US" dirty="0"/>
               <a:pPr/>
-              <a:t>8/17/2017</a:t>
+              <a:t>8/18/2017</a:t>
             </a:fld>
             <a:endParaRPr lang="en-US" dirty="0"/>
           </a:p>
@@ -7112,7 +7122,7 @@
             <a:fld id="{B61BEF0D-F0BB-DE4B-95CE-6DB70DBA9567}" type="datetimeFigureOut">
               <a:rPr lang="en-US" dirty="0"/>
               <a:pPr/>
-              <a:t>8/17/2017</a:t>
+              <a:t>8/18/2017</a:t>
             </a:fld>
             <a:endParaRPr lang="en-US" dirty="0"/>
           </a:p>
@@ -7695,9 +7705,787 @@
     </p:spTree>
     <p:extLst>
       <p:ext uri="{BB962C8B-B14F-4D97-AF65-F5344CB8AC3E}">
-        <p14:creationId xmlns:p14="http://schemas.microsoft.com/office/powerpoint/2010/main" val="2933505555"/>
+        <p14:creationId xmlns:p14="http://schemas.microsoft.com/office/powerpoint/2010/main" xmlns="" val="2933505555"/>
       </p:ext>
     </p:extLst>
+  </p:cSld>
+  <p:clrMapOvr>
+    <a:masterClrMapping/>
+  </p:clrMapOvr>
+</p:sld>
+</file>
+
+<file path=ppt/slides/slide10.xml><?xml version="1.0" encoding="utf-8"?>
+<p:sld xmlns:a="http://schemas.openxmlformats.org/drawingml/2006/main" xmlns:r="http://schemas.openxmlformats.org/officeDocument/2006/relationships" xmlns:p="http://schemas.openxmlformats.org/presentationml/2006/main">
+  <p:cSld>
+    <p:spTree>
+      <p:nvGrpSpPr>
+        <p:cNvPr id="1" name=""/>
+        <p:cNvGrpSpPr/>
+        <p:nvPr/>
+      </p:nvGrpSpPr>
+      <p:grpSpPr>
+        <a:xfrm>
+          <a:off x="0" y="0"/>
+          <a:ext cx="0" cy="0"/>
+          <a:chOff x="0" y="0"/>
+          <a:chExt cx="0" cy="0"/>
+        </a:xfrm>
+      </p:grpSpPr>
+      <p:sp>
+        <p:nvSpPr>
+          <p:cNvPr id="2" name="1 Título"/>
+          <p:cNvSpPr>
+            <a:spLocks noGrp="1"/>
+          </p:cNvSpPr>
+          <p:nvPr>
+            <p:ph type="title"/>
+          </p:nvPr>
+        </p:nvSpPr>
+        <p:spPr/>
+        <p:txBody>
+          <a:bodyPr/>
+          <a:lstStyle/>
+          <a:p>
+            <a:r>
+              <a:rPr lang="es-CL" dirty="0" err="1" smtClean="0"/>
+              <a:t>Backend</a:t>
+            </a:r>
+            <a:endParaRPr lang="es-CL" dirty="0"/>
+          </a:p>
+        </p:txBody>
+      </p:sp>
+      <p:sp>
+        <p:nvSpPr>
+          <p:cNvPr id="3" name="2 Marcador de contenido"/>
+          <p:cNvSpPr>
+            <a:spLocks noGrp="1"/>
+          </p:cNvSpPr>
+          <p:nvPr>
+            <p:ph idx="1"/>
+          </p:nvPr>
+        </p:nvSpPr>
+        <p:spPr/>
+        <p:txBody>
+          <a:bodyPr/>
+          <a:lstStyle/>
+          <a:p>
+            <a:endParaRPr lang="es-CL" dirty="0"/>
+          </a:p>
+        </p:txBody>
+      </p:sp>
+    </p:spTree>
+  </p:cSld>
+  <p:clrMapOvr>
+    <a:masterClrMapping/>
+  </p:clrMapOvr>
+</p:sld>
+</file>
+
+<file path=ppt/slides/slide11.xml><?xml version="1.0" encoding="utf-8"?>
+<p:sld xmlns:a="http://schemas.openxmlformats.org/drawingml/2006/main" xmlns:r="http://schemas.openxmlformats.org/officeDocument/2006/relationships" xmlns:p="http://schemas.openxmlformats.org/presentationml/2006/main">
+  <p:cSld>
+    <p:spTree>
+      <p:nvGrpSpPr>
+        <p:cNvPr id="1" name=""/>
+        <p:cNvGrpSpPr/>
+        <p:nvPr/>
+      </p:nvGrpSpPr>
+      <p:grpSpPr>
+        <a:xfrm>
+          <a:off x="0" y="0"/>
+          <a:ext cx="0" cy="0"/>
+          <a:chOff x="0" y="0"/>
+          <a:chExt cx="0" cy="0"/>
+        </a:xfrm>
+      </p:grpSpPr>
+      <p:sp>
+        <p:nvSpPr>
+          <p:cNvPr id="2" name="1 Título"/>
+          <p:cNvSpPr>
+            <a:spLocks noGrp="1"/>
+          </p:cNvSpPr>
+          <p:nvPr>
+            <p:ph type="title"/>
+          </p:nvPr>
+        </p:nvSpPr>
+        <p:spPr/>
+        <p:txBody>
+          <a:bodyPr/>
+          <a:lstStyle/>
+          <a:p>
+            <a:r>
+              <a:rPr lang="es-CL" dirty="0" smtClean="0"/>
+              <a:t>Sueldo Programadores según lenguaje</a:t>
+            </a:r>
+            <a:endParaRPr lang="es-CL" dirty="0"/>
+          </a:p>
+        </p:txBody>
+      </p:sp>
+      <p:pic>
+        <p:nvPicPr>
+          <p:cNvPr id="1026" name="Picture 2" descr="https://www.azulweb.net/wp-content/uploads/2017/07/El-sueldo-de-los-programadores-seg%C3%BAn-el-lenguaje.jpg"/>
+          <p:cNvPicPr>
+            <a:picLocks noGrp="1" noChangeAspect="1" noChangeArrowheads="1"/>
+          </p:cNvPicPr>
+          <p:nvPr>
+            <p:ph idx="1"/>
+          </p:nvPr>
+        </p:nvPicPr>
+        <p:blipFill>
+          <a:blip r:embed="rId2"/>
+          <a:srcRect/>
+          <a:stretch>
+            <a:fillRect/>
+          </a:stretch>
+        </p:blipFill>
+        <p:spPr bwMode="auto">
+          <a:xfrm>
+            <a:off x="2514475" y="1745673"/>
+            <a:ext cx="8853881" cy="3991923"/>
+          </a:xfrm>
+          <a:prstGeom prst="rect">
+            <a:avLst/>
+          </a:prstGeom>
+          <a:noFill/>
+        </p:spPr>
+      </p:pic>
+    </p:spTree>
+  </p:cSld>
+  <p:clrMapOvr>
+    <a:masterClrMapping/>
+  </p:clrMapOvr>
+</p:sld>
+</file>
+
+<file path=ppt/slides/slide12.xml><?xml version="1.0" encoding="utf-8"?>
+<p:sld xmlns:a="http://schemas.openxmlformats.org/drawingml/2006/main" xmlns:r="http://schemas.openxmlformats.org/officeDocument/2006/relationships" xmlns:p="http://schemas.openxmlformats.org/presentationml/2006/main">
+  <p:cSld>
+    <p:spTree>
+      <p:nvGrpSpPr>
+        <p:cNvPr id="1" name=""/>
+        <p:cNvGrpSpPr/>
+        <p:nvPr/>
+      </p:nvGrpSpPr>
+      <p:grpSpPr>
+        <a:xfrm>
+          <a:off x="0" y="0"/>
+          <a:ext cx="0" cy="0"/>
+          <a:chOff x="0" y="0"/>
+          <a:chExt cx="0" cy="0"/>
+        </a:xfrm>
+      </p:grpSpPr>
+      <p:sp>
+        <p:nvSpPr>
+          <p:cNvPr id="2" name="1 Título"/>
+          <p:cNvSpPr>
+            <a:spLocks noGrp="1"/>
+          </p:cNvSpPr>
+          <p:nvPr>
+            <p:ph type="title"/>
+          </p:nvPr>
+        </p:nvSpPr>
+        <p:spPr/>
+        <p:txBody>
+          <a:bodyPr/>
+          <a:lstStyle/>
+          <a:p>
+            <a:r>
+              <a:rPr lang="es-CL" dirty="0" smtClean="0"/>
+              <a:t>Sueldo Programadores según lenguaje</a:t>
+            </a:r>
+            <a:endParaRPr lang="es-CL" dirty="0"/>
+          </a:p>
+        </p:txBody>
+      </p:sp>
+      <p:pic>
+        <p:nvPicPr>
+          <p:cNvPr id="30722" name="Picture 2" descr="https://www.azulweb.net/wp-content/uploads/2017/07/El-sueldo-de-los-programadores-seg%C3%BAn-su-puesto-de-trabajo.jpg"/>
+          <p:cNvPicPr>
+            <a:picLocks noChangeAspect="1" noChangeArrowheads="1"/>
+          </p:cNvPicPr>
+          <p:nvPr/>
+        </p:nvPicPr>
+        <p:blipFill>
+          <a:blip r:embed="rId2"/>
+          <a:srcRect/>
+          <a:stretch>
+            <a:fillRect/>
+          </a:stretch>
+        </p:blipFill>
+        <p:spPr bwMode="auto">
+          <a:xfrm>
+            <a:off x="1438110" y="1589830"/>
+            <a:ext cx="10380756" cy="4680342"/>
+          </a:xfrm>
+          <a:prstGeom prst="rect">
+            <a:avLst/>
+          </a:prstGeom>
+          <a:noFill/>
+        </p:spPr>
+      </p:pic>
+    </p:spTree>
+  </p:cSld>
+  <p:clrMapOvr>
+    <a:masterClrMapping/>
+  </p:clrMapOvr>
+</p:sld>
+</file>
+
+<file path=ppt/slides/slide13.xml><?xml version="1.0" encoding="utf-8"?>
+<p:sld xmlns:a="http://schemas.openxmlformats.org/drawingml/2006/main" xmlns:r="http://schemas.openxmlformats.org/officeDocument/2006/relationships" xmlns:p="http://schemas.openxmlformats.org/presentationml/2006/main">
+  <p:cSld>
+    <p:spTree>
+      <p:nvGrpSpPr>
+        <p:cNvPr id="1" name=""/>
+        <p:cNvGrpSpPr/>
+        <p:nvPr/>
+      </p:nvGrpSpPr>
+      <p:grpSpPr>
+        <a:xfrm>
+          <a:off x="0" y="0"/>
+          <a:ext cx="0" cy="0"/>
+          <a:chOff x="0" y="0"/>
+          <a:chExt cx="0" cy="0"/>
+        </a:xfrm>
+      </p:grpSpPr>
+      <p:sp>
+        <p:nvSpPr>
+          <p:cNvPr id="2" name="1 Título"/>
+          <p:cNvSpPr>
+            <a:spLocks noGrp="1"/>
+          </p:cNvSpPr>
+          <p:nvPr>
+            <p:ph type="title"/>
+          </p:nvPr>
+        </p:nvSpPr>
+        <p:spPr/>
+        <p:txBody>
+          <a:bodyPr/>
+          <a:lstStyle/>
+          <a:p>
+            <a:r>
+              <a:rPr lang="es-CL" dirty="0" smtClean="0"/>
+              <a:t>Lenguajes Populares y prometedores</a:t>
+            </a:r>
+            <a:endParaRPr lang="es-CL" dirty="0"/>
+          </a:p>
+        </p:txBody>
+      </p:sp>
+      <p:pic>
+        <p:nvPicPr>
+          <p:cNvPr id="29702" name="Picture 6" descr="https://www.azulweb.net/wp-content/uploads/2017/01/1.jpg"/>
+          <p:cNvPicPr>
+            <a:picLocks noChangeAspect="1" noChangeArrowheads="1"/>
+          </p:cNvPicPr>
+          <p:nvPr/>
+        </p:nvPicPr>
+        <p:blipFill>
+          <a:blip r:embed="rId2"/>
+          <a:srcRect/>
+          <a:stretch>
+            <a:fillRect/>
+          </a:stretch>
+        </p:blipFill>
+        <p:spPr bwMode="auto">
+          <a:xfrm>
+            <a:off x="2720645" y="1449840"/>
+            <a:ext cx="6115050" cy="4876801"/>
+          </a:xfrm>
+          <a:prstGeom prst="rect">
+            <a:avLst/>
+          </a:prstGeom>
+          <a:noFill/>
+        </p:spPr>
+      </p:pic>
+    </p:spTree>
+  </p:cSld>
+  <p:clrMapOvr>
+    <a:masterClrMapping/>
+  </p:clrMapOvr>
+</p:sld>
+</file>
+
+<file path=ppt/slides/slide14.xml><?xml version="1.0" encoding="utf-8"?>
+<p:sld xmlns:a="http://schemas.openxmlformats.org/drawingml/2006/main" xmlns:r="http://schemas.openxmlformats.org/officeDocument/2006/relationships" xmlns:p="http://schemas.openxmlformats.org/presentationml/2006/main">
+  <p:cSld>
+    <p:spTree>
+      <p:nvGrpSpPr>
+        <p:cNvPr id="1" name=""/>
+        <p:cNvGrpSpPr/>
+        <p:nvPr/>
+      </p:nvGrpSpPr>
+      <p:grpSpPr>
+        <a:xfrm>
+          <a:off x="0" y="0"/>
+          <a:ext cx="0" cy="0"/>
+          <a:chOff x="0" y="0"/>
+          <a:chExt cx="0" cy="0"/>
+        </a:xfrm>
+      </p:grpSpPr>
+      <p:sp>
+        <p:nvSpPr>
+          <p:cNvPr id="2" name="1 Título"/>
+          <p:cNvSpPr>
+            <a:spLocks noGrp="1"/>
+          </p:cNvSpPr>
+          <p:nvPr>
+            <p:ph type="title"/>
+          </p:nvPr>
+        </p:nvSpPr>
+        <p:spPr/>
+        <p:txBody>
+          <a:bodyPr/>
+          <a:lstStyle/>
+          <a:p>
+            <a:r>
+              <a:rPr lang="es-CL" dirty="0" smtClean="0"/>
+              <a:t>Nube</a:t>
+            </a:r>
+            <a:endParaRPr lang="es-CL" dirty="0"/>
+          </a:p>
+        </p:txBody>
+      </p:sp>
+      <p:sp>
+        <p:nvSpPr>
+          <p:cNvPr id="3" name="2 Marcador de contenido"/>
+          <p:cNvSpPr>
+            <a:spLocks noGrp="1"/>
+          </p:cNvSpPr>
+          <p:nvPr>
+            <p:ph idx="1"/>
+          </p:nvPr>
+        </p:nvSpPr>
+        <p:spPr/>
+        <p:txBody>
+          <a:bodyPr/>
+          <a:lstStyle/>
+          <a:p>
+            <a:r>
+              <a:rPr lang="es-CL" dirty="0" smtClean="0"/>
+              <a:t>Amazon</a:t>
+            </a:r>
+          </a:p>
+          <a:p>
+            <a:r>
+              <a:rPr lang="es-CL" dirty="0" smtClean="0"/>
+              <a:t>Google</a:t>
+            </a:r>
+          </a:p>
+          <a:p>
+            <a:r>
+              <a:rPr lang="es-CL" dirty="0" err="1" smtClean="0"/>
+              <a:t>Heroku</a:t>
+            </a:r>
+            <a:endParaRPr lang="es-CL" dirty="0" smtClean="0"/>
+          </a:p>
+          <a:p>
+            <a:pPr>
+              <a:buNone/>
+            </a:pPr>
+            <a:endParaRPr lang="es-CL" dirty="0"/>
+          </a:p>
+        </p:txBody>
+      </p:sp>
+    </p:spTree>
+  </p:cSld>
+  <p:clrMapOvr>
+    <a:masterClrMapping/>
+  </p:clrMapOvr>
+</p:sld>
+</file>
+
+<file path=ppt/slides/slide15.xml><?xml version="1.0" encoding="utf-8"?>
+<p:sld xmlns:a="http://schemas.openxmlformats.org/drawingml/2006/main" xmlns:r="http://schemas.openxmlformats.org/officeDocument/2006/relationships" xmlns:p="http://schemas.openxmlformats.org/presentationml/2006/main">
+  <p:cSld>
+    <p:spTree>
+      <p:nvGrpSpPr>
+        <p:cNvPr id="1" name=""/>
+        <p:cNvGrpSpPr/>
+        <p:nvPr/>
+      </p:nvGrpSpPr>
+      <p:grpSpPr>
+        <a:xfrm>
+          <a:off x="0" y="0"/>
+          <a:ext cx="0" cy="0"/>
+          <a:chOff x="0" y="0"/>
+          <a:chExt cx="0" cy="0"/>
+        </a:xfrm>
+      </p:grpSpPr>
+      <p:sp>
+        <p:nvSpPr>
+          <p:cNvPr id="2" name="1 Título"/>
+          <p:cNvSpPr>
+            <a:spLocks noGrp="1"/>
+          </p:cNvSpPr>
+          <p:nvPr>
+            <p:ph type="title"/>
+          </p:nvPr>
+        </p:nvSpPr>
+        <p:spPr/>
+        <p:txBody>
+          <a:bodyPr/>
+          <a:lstStyle/>
+          <a:p>
+            <a:r>
+              <a:rPr lang="es-CL" dirty="0" err="1" smtClean="0"/>
+              <a:t>DevOps</a:t>
+            </a:r>
+            <a:endParaRPr lang="es-CL" dirty="0"/>
+          </a:p>
+        </p:txBody>
+      </p:sp>
+      <p:sp>
+        <p:nvSpPr>
+          <p:cNvPr id="3" name="2 Marcador de contenido"/>
+          <p:cNvSpPr>
+            <a:spLocks noGrp="1"/>
+          </p:cNvSpPr>
+          <p:nvPr>
+            <p:ph idx="1"/>
+          </p:nvPr>
+        </p:nvSpPr>
+        <p:spPr/>
+        <p:txBody>
+          <a:bodyPr/>
+          <a:lstStyle/>
+          <a:p>
+            <a:r>
+              <a:rPr lang="es-CL" dirty="0" smtClean="0"/>
+              <a:t>Es </a:t>
+            </a:r>
+            <a:r>
+              <a:rPr lang="es-CL" dirty="0" smtClean="0"/>
+              <a:t>un </a:t>
+            </a:r>
+            <a:r>
+              <a:rPr lang="es-CL" dirty="0" smtClean="0">
+                <a:hlinkClick r:id="rId2" tooltip="Acrónimo"/>
+              </a:rPr>
+              <a:t>acrónimo</a:t>
+            </a:r>
+            <a:r>
+              <a:rPr lang="es-CL" dirty="0" smtClean="0"/>
+              <a:t> inglés de </a:t>
+            </a:r>
+            <a:r>
+              <a:rPr lang="es-CL" i="1" dirty="0" err="1" smtClean="0"/>
+              <a:t>development</a:t>
+            </a:r>
+            <a:r>
+              <a:rPr lang="es-CL" dirty="0" smtClean="0"/>
+              <a:t> (</a:t>
+            </a:r>
+            <a:r>
+              <a:rPr lang="es-CL" dirty="0" smtClean="0">
+                <a:hlinkClick r:id="rId3" tooltip="Desarrollo de software"/>
+              </a:rPr>
+              <a:t>desarrollo</a:t>
+            </a:r>
+            <a:r>
+              <a:rPr lang="es-CL" dirty="0" smtClean="0"/>
+              <a:t>) y </a:t>
+            </a:r>
+            <a:r>
+              <a:rPr lang="es-CL" i="1" dirty="0" err="1" smtClean="0"/>
+              <a:t>operations</a:t>
+            </a:r>
+            <a:r>
+              <a:rPr lang="es-CL" dirty="0" smtClean="0"/>
+              <a:t> (</a:t>
+            </a:r>
+            <a:r>
+              <a:rPr lang="es-CL" dirty="0" smtClean="0">
+                <a:hlinkClick r:id="rId4" tooltip="Operaciones (IT) (aún no redactado)"/>
+              </a:rPr>
+              <a:t>operaciones</a:t>
+            </a:r>
+            <a:r>
+              <a:rPr lang="es-CL" dirty="0" smtClean="0"/>
+              <a:t>), es un </a:t>
+            </a:r>
+            <a:r>
+              <a:rPr lang="es-CL" dirty="0" smtClean="0">
+                <a:hlinkClick r:id="rId5" tooltip="Proceso de desarrollo de software"/>
+              </a:rPr>
+              <a:t>desarrollo de software</a:t>
+            </a:r>
+            <a:r>
+              <a:rPr lang="es-CL" dirty="0" smtClean="0"/>
+              <a:t> y el </a:t>
+            </a:r>
+            <a:r>
+              <a:rPr lang="es-CL" dirty="0" smtClean="0">
+                <a:hlinkClick r:id="rId6" tooltip="Despliegue de software"/>
+              </a:rPr>
+              <a:t>proceso de entrega</a:t>
+            </a:r>
+            <a:r>
+              <a:rPr lang="es-CL" dirty="0" smtClean="0"/>
+              <a:t> que hace hincapié en </a:t>
+            </a:r>
+            <a:r>
+              <a:rPr lang="es-CL" dirty="0" smtClean="0">
+                <a:hlinkClick r:id="rId7" tooltip="Comunicación"/>
+              </a:rPr>
+              <a:t>la comunicación</a:t>
+            </a:r>
+            <a:r>
+              <a:rPr lang="es-CL" dirty="0" smtClean="0"/>
+              <a:t> y </a:t>
+            </a:r>
+            <a:r>
+              <a:rPr lang="es-CL" dirty="0" smtClean="0">
+                <a:hlinkClick r:id="rId8" tooltip="Colaboración"/>
+              </a:rPr>
+              <a:t>la colaboración</a:t>
+            </a:r>
+            <a:r>
+              <a:rPr lang="es-CL" dirty="0" smtClean="0"/>
+              <a:t> entre la gestión de productos, desarrollo de software y profesionales de operaciones</a:t>
+            </a:r>
+            <a:endParaRPr lang="es-CL" dirty="0" smtClean="0"/>
+          </a:p>
+          <a:p>
+            <a:endParaRPr lang="es-CL" dirty="0" smtClean="0"/>
+          </a:p>
+          <a:p>
+            <a:r>
+              <a:rPr lang="es-CL" dirty="0" smtClean="0"/>
+              <a:t>Automatiza el proceso de entrega del software y los cambios en la infraestructura. Su objetivo es ayudar a crear un entorno donde la construcción, prueba y lanzamiento de un software pueda ser más rápido y con mayor </a:t>
+            </a:r>
+            <a:r>
+              <a:rPr lang="es-CL" b="1" dirty="0" smtClean="0"/>
+              <a:t>fiabilidad</a:t>
+            </a:r>
+            <a:endParaRPr lang="es-CL" dirty="0"/>
+          </a:p>
+        </p:txBody>
+      </p:sp>
+    </p:spTree>
+  </p:cSld>
+  <p:clrMapOvr>
+    <a:masterClrMapping/>
+  </p:clrMapOvr>
+</p:sld>
+</file>
+
+<file path=ppt/slides/slide16.xml><?xml version="1.0" encoding="utf-8"?>
+<p:sld xmlns:a="http://schemas.openxmlformats.org/drawingml/2006/main" xmlns:r="http://schemas.openxmlformats.org/officeDocument/2006/relationships" xmlns:p="http://schemas.openxmlformats.org/presentationml/2006/main">
+  <p:cSld>
+    <p:spTree>
+      <p:nvGrpSpPr>
+        <p:cNvPr id="1" name=""/>
+        <p:cNvGrpSpPr/>
+        <p:nvPr/>
+      </p:nvGrpSpPr>
+      <p:grpSpPr>
+        <a:xfrm>
+          <a:off x="0" y="0"/>
+          <a:ext cx="0" cy="0"/>
+          <a:chOff x="0" y="0"/>
+          <a:chExt cx="0" cy="0"/>
+        </a:xfrm>
+      </p:grpSpPr>
+      <p:sp>
+        <p:nvSpPr>
+          <p:cNvPr id="2" name="1 Título"/>
+          <p:cNvSpPr>
+            <a:spLocks noGrp="1"/>
+          </p:cNvSpPr>
+          <p:nvPr>
+            <p:ph type="title"/>
+          </p:nvPr>
+        </p:nvSpPr>
+        <p:spPr/>
+        <p:txBody>
+          <a:bodyPr/>
+          <a:lstStyle/>
+          <a:p>
+            <a:endParaRPr lang="es-CL"/>
+          </a:p>
+        </p:txBody>
+      </p:sp>
+      <p:sp>
+        <p:nvSpPr>
+          <p:cNvPr id="3" name="2 Marcador de contenido"/>
+          <p:cNvSpPr>
+            <a:spLocks noGrp="1"/>
+          </p:cNvSpPr>
+          <p:nvPr>
+            <p:ph idx="1"/>
+          </p:nvPr>
+        </p:nvSpPr>
+        <p:spPr/>
+        <p:txBody>
+          <a:bodyPr/>
+          <a:lstStyle/>
+          <a:p>
+            <a:endParaRPr lang="es-CL"/>
+          </a:p>
+        </p:txBody>
+      </p:sp>
+    </p:spTree>
+  </p:cSld>
+  <p:clrMapOvr>
+    <a:masterClrMapping/>
+  </p:clrMapOvr>
+</p:sld>
+</file>
+
+<file path=ppt/slides/slide17.xml><?xml version="1.0" encoding="utf-8"?>
+<p:sld xmlns:a="http://schemas.openxmlformats.org/drawingml/2006/main" xmlns:r="http://schemas.openxmlformats.org/officeDocument/2006/relationships" xmlns:p="http://schemas.openxmlformats.org/presentationml/2006/main">
+  <p:cSld>
+    <p:spTree>
+      <p:nvGrpSpPr>
+        <p:cNvPr id="1" name=""/>
+        <p:cNvGrpSpPr/>
+        <p:nvPr/>
+      </p:nvGrpSpPr>
+      <p:grpSpPr>
+        <a:xfrm>
+          <a:off x="0" y="0"/>
+          <a:ext cx="0" cy="0"/>
+          <a:chOff x="0" y="0"/>
+          <a:chExt cx="0" cy="0"/>
+        </a:xfrm>
+      </p:grpSpPr>
+      <p:sp>
+        <p:nvSpPr>
+          <p:cNvPr id="2" name="1 Título"/>
+          <p:cNvSpPr>
+            <a:spLocks noGrp="1"/>
+          </p:cNvSpPr>
+          <p:nvPr>
+            <p:ph type="title"/>
+          </p:nvPr>
+        </p:nvSpPr>
+        <p:spPr/>
+        <p:txBody>
+          <a:bodyPr/>
+          <a:lstStyle/>
+          <a:p>
+            <a:r>
+              <a:rPr lang="es-CL" dirty="0" err="1" smtClean="0"/>
+              <a:t>DevOps</a:t>
+            </a:r>
+            <a:endParaRPr lang="es-CL" dirty="0"/>
+          </a:p>
+        </p:txBody>
+      </p:sp>
+      <p:sp>
+        <p:nvSpPr>
+          <p:cNvPr id="3" name="2 Marcador de contenido"/>
+          <p:cNvSpPr>
+            <a:spLocks noGrp="1"/>
+          </p:cNvSpPr>
+          <p:nvPr>
+            <p:ph idx="1"/>
+          </p:nvPr>
+        </p:nvSpPr>
+        <p:spPr/>
+        <p:txBody>
+          <a:bodyPr/>
+          <a:lstStyle/>
+          <a:p>
+            <a:r>
+              <a:rPr lang="es-CL" b="1" dirty="0" err="1" smtClean="0"/>
+              <a:t>Travis</a:t>
+            </a:r>
+            <a:r>
+              <a:rPr lang="es-CL" b="1" dirty="0" smtClean="0"/>
+              <a:t> CI</a:t>
+            </a:r>
+          </a:p>
+          <a:p>
+            <a:r>
+              <a:rPr lang="es-CL" b="1" dirty="0" smtClean="0"/>
+              <a:t>sistema distribuido de integración continua libre integrado con </a:t>
+            </a:r>
+            <a:r>
+              <a:rPr lang="es-CL" b="1" dirty="0" err="1" smtClean="0"/>
+              <a:t>Github</a:t>
+            </a:r>
+            <a:endParaRPr lang="es-CL" b="1" dirty="0" smtClean="0"/>
+          </a:p>
+          <a:p>
+            <a:r>
+              <a:rPr lang="es-CL" dirty="0" err="1" smtClean="0">
+                <a:hlinkClick r:id="rId2" tooltip="Puppet (software)"/>
+              </a:rPr>
+              <a:t>Puppet</a:t>
+            </a:r>
+            <a:r>
+              <a:rPr lang="es-CL" dirty="0" smtClean="0">
+                <a:hlinkClick r:id="rId2" tooltip="Puppet (software)"/>
+              </a:rPr>
+              <a:t> (software)</a:t>
+            </a:r>
+            <a:endParaRPr lang="es-CL" dirty="0" smtClean="0"/>
+          </a:p>
+          <a:p>
+            <a:r>
+              <a:rPr lang="es-CL" dirty="0" err="1" smtClean="0">
+                <a:hlinkClick r:id="rId3" tooltip="Ansible (software)"/>
+              </a:rPr>
+              <a:t>Ansible</a:t>
+            </a:r>
+            <a:r>
+              <a:rPr lang="es-CL" dirty="0" smtClean="0">
+                <a:hlinkClick r:id="rId3" tooltip="Ansible (software)"/>
+              </a:rPr>
+              <a:t> (software)</a:t>
+            </a:r>
+            <a:endParaRPr lang="es-CL" dirty="0" smtClean="0"/>
+          </a:p>
+          <a:p>
+            <a:r>
+              <a:rPr lang="es-CL" dirty="0" smtClean="0">
+                <a:hlinkClick r:id="rId4" tooltip="Chef (software) (aún no redactado)"/>
+              </a:rPr>
+              <a:t>Chef (software)</a:t>
+            </a:r>
+            <a:endParaRPr lang="es-CL" dirty="0" smtClean="0"/>
+          </a:p>
+          <a:p>
+            <a:r>
+              <a:rPr lang="es-CL" dirty="0" err="1" smtClean="0">
+                <a:hlinkClick r:id="rId5"/>
+              </a:rPr>
+              <a:t>Docker</a:t>
+            </a:r>
+            <a:r>
+              <a:rPr lang="es-CL" dirty="0" smtClean="0">
+                <a:hlinkClick r:id="rId5"/>
+              </a:rPr>
+              <a:t> (software)</a:t>
+            </a:r>
+            <a:endParaRPr lang="es-CL" dirty="0" smtClean="0"/>
+          </a:p>
+          <a:p>
+            <a:r>
+              <a:rPr lang="es-CL" dirty="0" err="1" smtClean="0">
+                <a:hlinkClick r:id="rId6" tooltip="Clarive"/>
+              </a:rPr>
+              <a:t>Clarive</a:t>
+            </a:r>
+            <a:r>
+              <a:rPr lang="es-CL" dirty="0" smtClean="0">
+                <a:hlinkClick r:id="rId6" tooltip="Clarive"/>
+              </a:rPr>
+              <a:t> (software)</a:t>
+            </a:r>
+            <a:endParaRPr lang="es-CL" dirty="0" smtClean="0"/>
+          </a:p>
+          <a:p>
+            <a:endParaRPr lang="es-CL" b="1" dirty="0" smtClean="0"/>
+          </a:p>
+          <a:p>
+            <a:endParaRPr lang="es-CL" dirty="0"/>
+          </a:p>
+        </p:txBody>
+      </p:sp>
+    </p:spTree>
   </p:cSld>
   <p:clrMapOvr>
     <a:masterClrMapping/>
@@ -7770,7 +8558,15 @@
             </a:r>
             <a:r>
               <a:rPr lang="es-CL" dirty="0"/>
-              <a:t>todas aquellas tecnologías que corren del lado del cliente, es decir, todas aquellas tecnologías que corren del lado del navegador </a:t>
+              <a:t>todas aquellas tecnologías que corren del lado del cliente, es decir, todas </a:t>
+            </a:r>
+            <a:r>
+              <a:rPr lang="es-CL" dirty="0" smtClean="0"/>
+              <a:t>las </a:t>
+            </a:r>
+            <a:r>
+              <a:rPr lang="es-CL" dirty="0"/>
+              <a:t>corren del lado del navegador </a:t>
             </a:r>
             <a:r>
               <a:rPr lang="es-CL" dirty="0" smtClean="0"/>
@@ -7813,7 +8609,7 @@
     </p:spTree>
     <p:extLst>
       <p:ext uri="{BB962C8B-B14F-4D97-AF65-F5344CB8AC3E}">
-        <p14:creationId xmlns:p14="http://schemas.microsoft.com/office/powerpoint/2010/main" val="3506725205"/>
+        <p14:creationId xmlns:p14="http://schemas.microsoft.com/office/powerpoint/2010/main" xmlns="" val="3506725205"/>
       </p:ext>
     </p:extLst>
   </p:cSld>
@@ -7969,7 +8765,7 @@
     </p:spTree>
     <p:extLst>
       <p:ext uri="{BB962C8B-B14F-4D97-AF65-F5344CB8AC3E}">
-        <p14:creationId xmlns:p14="http://schemas.microsoft.com/office/powerpoint/2010/main" val="3093633255"/>
+        <p14:creationId xmlns:p14="http://schemas.microsoft.com/office/powerpoint/2010/main" xmlns="" val="3093633255"/>
       </p:ext>
     </p:extLst>
   </p:cSld>
@@ -8083,7 +8879,7 @@
     </p:spTree>
     <p:extLst>
       <p:ext uri="{BB962C8B-B14F-4D97-AF65-F5344CB8AC3E}">
-        <p14:creationId xmlns:p14="http://schemas.microsoft.com/office/powerpoint/2010/main" val="13199986"/>
+        <p14:creationId xmlns:p14="http://schemas.microsoft.com/office/powerpoint/2010/main" xmlns="" val="13199986"/>
       </p:ext>
     </p:extLst>
   </p:cSld>
@@ -8167,32 +8963,20 @@
               <a:buNone/>
             </a:pPr>
             <a:r>
+              <a:rPr lang="es-CL" dirty="0" smtClean="0"/>
+              <a:t>Por </a:t>
+            </a:r>
+            <a:r>
               <a:rPr lang="es-CL" dirty="0"/>
-              <a:t>Un </a:t>
-            </a:r>
-            <a:r>
-              <a:rPr lang="es-CL" dirty="0" err="1"/>
-              <a:t>framework</a:t>
+              <a:t>lo general, se define como aquella aplicación o conjunto de módulos que </a:t>
+            </a:r>
+            <a:r>
+              <a:rPr lang="es-CL" dirty="0" smtClean="0"/>
+              <a:t>permiten o </a:t>
             </a:r>
             <a:r>
               <a:rPr lang="es-CL" dirty="0"/>
-              <a:t>, por lo general, se define como aquella </a:t>
-            </a:r>
-            <a:r>
-              <a:rPr lang="es-CL" b="1" dirty="0"/>
-              <a:t>aplicación o conjunto de módulos que permiten</a:t>
-            </a:r>
-            <a:r>
-              <a:rPr lang="es-CL" dirty="0"/>
-              <a:t>, o tienen por objetivo, </a:t>
-            </a:r>
-            <a:r>
-              <a:rPr lang="es-CL" b="1" dirty="0"/>
-              <a:t>el desarrollo ágil de aplicaciones</a:t>
-            </a:r>
-            <a:r>
-              <a:rPr lang="es-CL" dirty="0"/>
-              <a:t> mediante la aportación de librerías y/o funcionalidades ya creadas para que nosotros las usemos directamente</a:t>
+              <a:t>tienen por objetivo, el desarrollo ágil de aplicaciones mediante la aportación de librerías y/o funcionalidades ya creadas para que nosotros las usemos directamente</a:t>
             </a:r>
             <a:r>
               <a:rPr lang="es-CL" dirty="0" smtClean="0"/>
@@ -8211,15 +8995,7 @@
             </a:pPr>
             <a:r>
               <a:rPr lang="es-CL" dirty="0"/>
-              <a:t>El </a:t>
-            </a:r>
-            <a:r>
-              <a:rPr lang="es-CL" b="1" dirty="0"/>
-              <a:t>objetivo</a:t>
-            </a:r>
-            <a:r>
-              <a:rPr lang="es-CL" dirty="0"/>
-              <a:t> de los </a:t>
+              <a:t>El objetivo de los </a:t>
             </a:r>
             <a:r>
               <a:rPr lang="es-CL" dirty="0" err="1"/>
@@ -8227,15 +9003,11 @@
             </a:r>
             <a:r>
               <a:rPr lang="es-CL" dirty="0"/>
-              <a:t> es hacer </a:t>
-            </a:r>
-            <a:r>
-              <a:rPr lang="es-CL" b="1" dirty="0"/>
-              <a:t>que nos centremos en el verdadero problema</a:t>
-            </a:r>
-            <a:r>
-              <a:rPr lang="es-CL" dirty="0"/>
-              <a:t>, y no preocuparnos por implementar funcionalidades que son de uso común en muchas aplicaciones</a:t>
+              <a:t> es hacer que nos centremos en el verdadero problema, y no preocuparnos por implementar funcionalidades que son de uso común en muchas </a:t>
+            </a:r>
+            <a:r>
+              <a:rPr lang="es-CL" dirty="0" smtClean="0"/>
+              <a:t>aplicaciones.</a:t>
             </a:r>
             <a:endParaRPr lang="en-US" dirty="0"/>
           </a:p>
@@ -8244,7 +9016,7 @@
     </p:spTree>
     <p:extLst>
       <p:ext uri="{BB962C8B-B14F-4D97-AF65-F5344CB8AC3E}">
-        <p14:creationId xmlns:p14="http://schemas.microsoft.com/office/powerpoint/2010/main" val="3729902968"/>
+        <p14:creationId xmlns:p14="http://schemas.microsoft.com/office/powerpoint/2010/main" xmlns="" val="3729902968"/>
       </p:ext>
     </p:extLst>
   </p:cSld>
@@ -8328,61 +9100,38 @@
           <a:p>
             <a:pPr lvl="1"/>
             <a:r>
-              <a:rPr lang="en-US" dirty="0" err="1"/>
-              <a:t>Convención</a:t>
-            </a:r>
-            <a:r>
-              <a:rPr lang="en-US" dirty="0"/>
-              <a:t> </a:t>
-            </a:r>
-            <a:r>
-              <a:rPr lang="en-US" dirty="0" err="1"/>
-              <a:t>sobre</a:t>
-            </a:r>
-            <a:r>
-              <a:rPr lang="en-US" dirty="0"/>
-              <a:t> </a:t>
-            </a:r>
-            <a:r>
-              <a:rPr lang="en-US" dirty="0" err="1" smtClean="0"/>
-              <a:t>configuración</a:t>
-            </a:r>
-            <a:endParaRPr lang="en-US" dirty="0" smtClean="0"/>
+              <a:rPr lang="es-CL" dirty="0" smtClean="0"/>
+              <a:t>Convención sobre configuración</a:t>
+            </a:r>
           </a:p>
           <a:p>
             <a:pPr lvl="1"/>
             <a:r>
-              <a:rPr lang="en-US" dirty="0"/>
-              <a:t>El </a:t>
-            </a:r>
-            <a:r>
-              <a:rPr lang="en-US" dirty="0" err="1" smtClean="0"/>
-              <a:t>código</a:t>
-            </a:r>
-            <a:r>
-              <a:rPr lang="en-US" dirty="0" smtClean="0"/>
-              <a:t> </a:t>
-            </a:r>
-            <a:r>
-              <a:rPr lang="en-US" dirty="0" err="1" smtClean="0"/>
-              <a:t>testeado</a:t>
-            </a:r>
-            <a:endParaRPr lang="en-US" dirty="0" smtClean="0"/>
+              <a:rPr lang="es-CL" dirty="0" smtClean="0"/>
+              <a:t>El código testeado</a:t>
+            </a:r>
           </a:p>
           <a:p>
             <a:pPr lvl="1"/>
             <a:r>
               <a:rPr lang="es-CL" dirty="0" smtClean="0"/>
-              <a:t>Comunidad usuarios</a:t>
+              <a:t>Comunidad </a:t>
+            </a:r>
+            <a:r>
+              <a:rPr lang="es-CL" dirty="0" smtClean="0"/>
+              <a:t>usuarios</a:t>
             </a:r>
           </a:p>
           <a:p>
             <a:pPr lvl="1"/>
             <a:r>
               <a:rPr lang="es-CL" dirty="0" smtClean="0"/>
-              <a:t>Trabajo en equipo</a:t>
-            </a:r>
-            <a:endParaRPr lang="en-US" dirty="0" smtClean="0"/>
+              <a:t>Trabajo en </a:t>
+            </a:r>
+            <a:r>
+              <a:rPr lang="es-CL" dirty="0" smtClean="0"/>
+              <a:t>equipo</a:t>
+            </a:r>
           </a:p>
           <a:p>
             <a:pPr lvl="1"/>
@@ -8413,7 +9162,7 @@
     </p:spTree>
     <p:extLst>
       <p:ext uri="{BB962C8B-B14F-4D97-AF65-F5344CB8AC3E}">
-        <p14:creationId xmlns:p14="http://schemas.microsoft.com/office/powerpoint/2010/main" val="1754372852"/>
+        <p14:creationId xmlns:p14="http://schemas.microsoft.com/office/powerpoint/2010/main" xmlns="" val="1754372852"/>
       </p:ext>
     </p:extLst>
   </p:cSld>
@@ -8459,7 +9208,7 @@
           <a:blip r:embed="rId2">
             <a:extLst>
               <a:ext uri="{28A0092B-C50C-407E-A947-70E740481C1C}">
-                <a14:useLocalDpi xmlns:a14="http://schemas.microsoft.com/office/drawing/2010/main" val="0"/>
+                <a14:useLocalDpi xmlns:a14="http://schemas.microsoft.com/office/drawing/2010/main" xmlns="" val="0"/>
               </a:ext>
             </a:extLst>
           </a:blip>
@@ -8479,7 +9228,7 @@
           <a:noFill/>
           <a:extLst>
             <a:ext uri="{909E8E84-426E-40DD-AFC4-6F175D3DCCD1}">
-              <a14:hiddenFill xmlns:a14="http://schemas.microsoft.com/office/drawing/2010/main">
+              <a14:hiddenFill xmlns:a14="http://schemas.microsoft.com/office/drawing/2010/main" xmlns="">
                 <a:solidFill>
                   <a:srgbClr val="FFFFFF"/>
                 </a:solidFill>
@@ -8491,7 +9240,7 @@
     </p:spTree>
     <p:extLst>
       <p:ext uri="{BB962C8B-B14F-4D97-AF65-F5344CB8AC3E}">
-        <p14:creationId xmlns:p14="http://schemas.microsoft.com/office/powerpoint/2010/main" val="1312231755"/>
+        <p14:creationId xmlns:p14="http://schemas.microsoft.com/office/powerpoint/2010/main" xmlns="" val="1312231755"/>
       </p:ext>
     </p:extLst>
   </p:cSld>
@@ -8505,6 +9254,435 @@
       </p:par>
     </p:tnLst>
   </p:timing>
+</p:sld>
+</file>
+
+<file path=ppt/slides/slide8.xml><?xml version="1.0" encoding="utf-8"?>
+<p:sld xmlns:a="http://schemas.openxmlformats.org/drawingml/2006/main" xmlns:r="http://schemas.openxmlformats.org/officeDocument/2006/relationships" xmlns:p="http://schemas.openxmlformats.org/presentationml/2006/main">
+  <p:cSld>
+    <p:spTree>
+      <p:nvGrpSpPr>
+        <p:cNvPr id="1" name=""/>
+        <p:cNvGrpSpPr/>
+        <p:nvPr/>
+      </p:nvGrpSpPr>
+      <p:grpSpPr>
+        <a:xfrm>
+          <a:off x="0" y="0"/>
+          <a:ext cx="0" cy="0"/>
+          <a:chOff x="0" y="0"/>
+          <a:chExt cx="0" cy="0"/>
+        </a:xfrm>
+      </p:grpSpPr>
+      <p:sp>
+        <p:nvSpPr>
+          <p:cNvPr id="2" name="1 Título"/>
+          <p:cNvSpPr>
+            <a:spLocks noGrp="1"/>
+          </p:cNvSpPr>
+          <p:nvPr>
+            <p:ph type="title"/>
+          </p:nvPr>
+        </p:nvSpPr>
+        <p:spPr/>
+        <p:txBody>
+          <a:bodyPr/>
+          <a:lstStyle/>
+          <a:p>
+            <a:r>
+              <a:rPr lang="es-CL" dirty="0" err="1" smtClean="0"/>
+              <a:t>Backend</a:t>
+            </a:r>
+            <a:endParaRPr lang="es-CL" dirty="0"/>
+          </a:p>
+        </p:txBody>
+      </p:sp>
+      <p:sp>
+        <p:nvSpPr>
+          <p:cNvPr id="3" name="2 Marcador de contenido"/>
+          <p:cNvSpPr>
+            <a:spLocks noGrp="1"/>
+          </p:cNvSpPr>
+          <p:nvPr>
+            <p:ph idx="1"/>
+          </p:nvPr>
+        </p:nvSpPr>
+        <p:spPr/>
+        <p:txBody>
+          <a:bodyPr/>
+          <a:lstStyle/>
+          <a:p>
+            <a:r>
+              <a:rPr lang="es-CL" dirty="0" smtClean="0"/>
+              <a:t>Es </a:t>
+            </a:r>
+            <a:r>
+              <a:rPr lang="es-CL" dirty="0" smtClean="0"/>
+              <a:t>aquel que se encuentra del lado del </a:t>
+            </a:r>
+            <a:r>
+              <a:rPr lang="es-CL" dirty="0" smtClean="0"/>
+              <a:t>servidor</a:t>
+            </a:r>
+          </a:p>
+          <a:p>
+            <a:r>
+              <a:rPr lang="es-CL" dirty="0" smtClean="0"/>
+              <a:t>Se </a:t>
+            </a:r>
+            <a:r>
+              <a:rPr lang="es-CL" dirty="0" smtClean="0"/>
+              <a:t>encarga de manipulación de los datos </a:t>
+            </a:r>
+            <a:r>
+              <a:rPr lang="es-CL" dirty="0" smtClean="0"/>
+              <a:t>, interactuar </a:t>
+            </a:r>
+            <a:r>
+              <a:rPr lang="es-CL" dirty="0" smtClean="0"/>
+              <a:t>con bases de datos, verificar manejos de sesiones de usuarios, montar la página en un servidor, y desde este “servir” todas las vistas que el </a:t>
+            </a:r>
+            <a:r>
+              <a:rPr lang="es-CL" dirty="0" err="1" smtClean="0"/>
+              <a:t>FrontEnd</a:t>
+            </a:r>
+            <a:r>
+              <a:rPr lang="es-CL" dirty="0" smtClean="0"/>
+              <a:t> </a:t>
+            </a:r>
+            <a:r>
+              <a:rPr lang="es-CL" dirty="0" smtClean="0"/>
+              <a:t>crea.</a:t>
+            </a:r>
+          </a:p>
+          <a:p>
+            <a:endParaRPr lang="es-CL" dirty="0" smtClean="0"/>
+          </a:p>
+          <a:p>
+            <a:pPr>
+              <a:buNone/>
+            </a:pPr>
+            <a:endParaRPr lang="es-CL" dirty="0" smtClean="0"/>
+          </a:p>
+        </p:txBody>
+      </p:sp>
+    </p:spTree>
+  </p:cSld>
+  <p:clrMapOvr>
+    <a:masterClrMapping/>
+  </p:clrMapOvr>
+</p:sld>
+</file>
+
+<file path=ppt/slides/slide9.xml><?xml version="1.0" encoding="utf-8"?>
+<p:sld xmlns:a="http://schemas.openxmlformats.org/drawingml/2006/main" xmlns:r="http://schemas.openxmlformats.org/officeDocument/2006/relationships" xmlns:p="http://schemas.openxmlformats.org/presentationml/2006/main">
+  <p:cSld>
+    <p:spTree>
+      <p:nvGrpSpPr>
+        <p:cNvPr id="1" name=""/>
+        <p:cNvGrpSpPr/>
+        <p:nvPr/>
+      </p:nvGrpSpPr>
+      <p:grpSpPr>
+        <a:xfrm>
+          <a:off x="0" y="0"/>
+          <a:ext cx="0" cy="0"/>
+          <a:chOff x="0" y="0"/>
+          <a:chExt cx="0" cy="0"/>
+        </a:xfrm>
+      </p:grpSpPr>
+      <p:sp>
+        <p:nvSpPr>
+          <p:cNvPr id="2" name="1 Título"/>
+          <p:cNvSpPr>
+            <a:spLocks noGrp="1"/>
+          </p:cNvSpPr>
+          <p:nvPr>
+            <p:ph type="title"/>
+          </p:nvPr>
+        </p:nvSpPr>
+        <p:spPr/>
+        <p:txBody>
+          <a:bodyPr/>
+          <a:lstStyle/>
+          <a:p>
+            <a:r>
+              <a:rPr lang="es-CL" dirty="0" err="1" smtClean="0"/>
+              <a:t>Backend</a:t>
+            </a:r>
+            <a:endParaRPr lang="es-CL" dirty="0"/>
+          </a:p>
+        </p:txBody>
+      </p:sp>
+      <p:sp>
+        <p:nvSpPr>
+          <p:cNvPr id="3" name="2 Marcador de contenido"/>
+          <p:cNvSpPr>
+            <a:spLocks noGrp="1"/>
+          </p:cNvSpPr>
+          <p:nvPr>
+            <p:ph idx="1"/>
+          </p:nvPr>
+        </p:nvSpPr>
+        <p:spPr>
+          <a:xfrm>
+            <a:off x="2458583" y="1824842"/>
+            <a:ext cx="8915400" cy="3777622"/>
+          </a:xfrm>
+        </p:spPr>
+        <p:txBody>
+          <a:bodyPr>
+            <a:normAutofit/>
+          </a:bodyPr>
+          <a:lstStyle/>
+          <a:p>
+            <a:r>
+              <a:rPr lang="es-CL" dirty="0" smtClean="0"/>
+              <a:t>Lenguajes y Framework</a:t>
+            </a:r>
+          </a:p>
+          <a:p>
+            <a:pPr lvl="1"/>
+            <a:r>
+              <a:rPr lang="es-CL" dirty="0" smtClean="0"/>
+              <a:t>Java	(Spring MVC, </a:t>
+            </a:r>
+            <a:r>
+              <a:rPr lang="es-CL" dirty="0" err="1" smtClean="0"/>
+              <a:t>Struts</a:t>
+            </a:r>
+            <a:r>
+              <a:rPr lang="es-CL" dirty="0" smtClean="0"/>
+              <a:t> 2)</a:t>
+            </a:r>
+          </a:p>
+          <a:p>
+            <a:pPr lvl="1"/>
+            <a:r>
+              <a:rPr lang="es-CL" dirty="0" err="1" smtClean="0"/>
+              <a:t>Python</a:t>
+            </a:r>
+            <a:r>
+              <a:rPr lang="es-CL" dirty="0" smtClean="0"/>
+              <a:t> (Django, </a:t>
+            </a:r>
+            <a:r>
+              <a:rPr lang="es-CL" dirty="0" err="1" smtClean="0">
+                <a:hlinkClick r:id="rId2"/>
+              </a:rPr>
+              <a:t>F</a:t>
+            </a:r>
+            <a:r>
+              <a:rPr lang="es-CL" dirty="0" err="1" smtClean="0">
+                <a:hlinkClick r:id="rId2"/>
+              </a:rPr>
+              <a:t>las</a:t>
+            </a:r>
+            <a:r>
+              <a:rPr lang="es-CL" dirty="0" err="1" smtClean="0">
+                <a:hlinkClick r:id="rId2"/>
+              </a:rPr>
+              <a:t>k</a:t>
+            </a:r>
+            <a:r>
+              <a:rPr lang="es-CL" dirty="0" smtClean="0"/>
+              <a:t> , </a:t>
+            </a:r>
+            <a:r>
+              <a:rPr lang="es-CL" dirty="0" smtClean="0"/>
+              <a:t>Tornado)</a:t>
+            </a:r>
+          </a:p>
+          <a:p>
+            <a:pPr lvl="1"/>
+            <a:r>
+              <a:rPr lang="es-CL" dirty="0" smtClean="0"/>
+              <a:t>Elixir (PHOENIX, </a:t>
+            </a:r>
+            <a:r>
+              <a:rPr lang="es-CL" dirty="0" err="1" smtClean="0"/>
+              <a:t>Sugar</a:t>
+            </a:r>
+            <a:r>
+              <a:rPr lang="es-CL" dirty="0" smtClean="0"/>
+              <a:t>)</a:t>
+            </a:r>
+          </a:p>
+          <a:p>
+            <a:pPr lvl="1"/>
+            <a:r>
+              <a:rPr lang="es-CL" dirty="0" err="1" smtClean="0"/>
+              <a:t>Rust</a:t>
+            </a:r>
+            <a:r>
+              <a:rPr lang="es-CL" dirty="0" smtClean="0"/>
+              <a:t> (IRON, </a:t>
+            </a:r>
+            <a:r>
+              <a:rPr lang="es-CL" dirty="0" err="1" smtClean="0">
+                <a:hlinkClick r:id="rId3"/>
+              </a:rPr>
+              <a:t>rustful</a:t>
+            </a:r>
+            <a:r>
+              <a:rPr lang="es-CL" dirty="0" smtClean="0"/>
+              <a:t>)</a:t>
+            </a:r>
+          </a:p>
+          <a:p>
+            <a:pPr lvl="1"/>
+            <a:r>
+              <a:rPr lang="es-CL" dirty="0" err="1" smtClean="0"/>
+              <a:t>Go</a:t>
+            </a:r>
+            <a:r>
+              <a:rPr lang="es-CL" dirty="0" smtClean="0"/>
+              <a:t>(</a:t>
+            </a:r>
+            <a:r>
+              <a:rPr lang="es-CL" dirty="0" err="1" smtClean="0"/>
+              <a:t>Revel</a:t>
+            </a:r>
+            <a:r>
+              <a:rPr lang="es-CL" dirty="0" smtClean="0"/>
+              <a:t>, </a:t>
+            </a:r>
+            <a:r>
+              <a:rPr lang="es-CL" dirty="0" err="1" smtClean="0"/>
+              <a:t>beego</a:t>
+            </a:r>
+            <a:r>
+              <a:rPr lang="es-CL" dirty="0" smtClean="0"/>
+              <a:t>)</a:t>
+            </a:r>
+          </a:p>
+          <a:p>
+            <a:pPr lvl="1"/>
+            <a:r>
+              <a:rPr lang="es-CL" dirty="0" smtClean="0"/>
+              <a:t>PHP (</a:t>
+            </a:r>
+            <a:r>
+              <a:rPr lang="es-CL" dirty="0" err="1" smtClean="0"/>
+              <a:t>Laravel</a:t>
+            </a:r>
+            <a:r>
+              <a:rPr lang="es-CL" dirty="0" smtClean="0"/>
+              <a:t>, </a:t>
+            </a:r>
+            <a:r>
+              <a:rPr lang="es-CL" dirty="0" err="1" smtClean="0"/>
+              <a:t>Fat</a:t>
+            </a:r>
+            <a:r>
+              <a:rPr lang="es-CL" dirty="0" smtClean="0"/>
+              <a:t>-Free Framework)</a:t>
+            </a:r>
+          </a:p>
+          <a:p>
+            <a:pPr lvl="1"/>
+            <a:r>
+              <a:rPr lang="es-CL" dirty="0" err="1" smtClean="0"/>
+              <a:t>Ruby</a:t>
+            </a:r>
+            <a:r>
+              <a:rPr lang="es-CL" dirty="0" smtClean="0"/>
+              <a:t> (</a:t>
+            </a:r>
+            <a:r>
+              <a:rPr lang="es-CL" dirty="0" err="1" smtClean="0"/>
+              <a:t>Ruby</a:t>
+            </a:r>
+            <a:r>
+              <a:rPr lang="es-CL" dirty="0" smtClean="0"/>
+              <a:t> </a:t>
+            </a:r>
+            <a:r>
+              <a:rPr lang="es-CL" dirty="0" err="1" smtClean="0"/>
+              <a:t>on</a:t>
+            </a:r>
+            <a:r>
+              <a:rPr lang="es-CL" dirty="0" smtClean="0"/>
+              <a:t> </a:t>
+            </a:r>
+            <a:r>
+              <a:rPr lang="es-CL" dirty="0" err="1" smtClean="0"/>
+              <a:t>Rails</a:t>
+            </a:r>
+            <a:r>
+              <a:rPr lang="es-CL" dirty="0" smtClean="0"/>
+              <a:t>)</a:t>
+            </a:r>
+            <a:endParaRPr lang="es-CL" dirty="0" smtClean="0"/>
+          </a:p>
+          <a:p>
+            <a:pPr lvl="1"/>
+            <a:r>
+              <a:rPr lang="es-CL" dirty="0" smtClean="0"/>
+              <a:t>C# (</a:t>
+            </a:r>
+            <a:r>
+              <a:rPr lang="es-CL" dirty="0" err="1" smtClean="0"/>
+              <a:t>.Net</a:t>
+            </a:r>
+            <a:r>
+              <a:rPr lang="es-CL" dirty="0" smtClean="0"/>
+              <a:t> 4.5)</a:t>
+            </a:r>
+          </a:p>
+          <a:p>
+            <a:pPr lvl="1"/>
+            <a:r>
+              <a:rPr lang="es-CL" dirty="0" err="1" smtClean="0"/>
+              <a:t>Swift</a:t>
+            </a:r>
+            <a:r>
+              <a:rPr lang="es-CL" dirty="0" smtClean="0"/>
+              <a:t> (</a:t>
+            </a:r>
+            <a:r>
+              <a:rPr lang="es-CL" dirty="0" err="1" smtClean="0">
+                <a:hlinkClick r:id="rId4"/>
+              </a:rPr>
+              <a:t>Cocoa</a:t>
+            </a:r>
+            <a:r>
+              <a:rPr lang="es-CL" dirty="0" smtClean="0"/>
+              <a:t> y </a:t>
+            </a:r>
+            <a:r>
+              <a:rPr lang="es-CL" dirty="0" err="1" smtClean="0">
+                <a:hlinkClick r:id="rId5" tooltip="Cocoa Touch"/>
+              </a:rPr>
+              <a:t>Cocoa</a:t>
+            </a:r>
+            <a:r>
+              <a:rPr lang="es-CL" dirty="0" smtClean="0">
+                <a:hlinkClick r:id="rId5" tooltip="Cocoa Touch"/>
+              </a:rPr>
+              <a:t> </a:t>
+            </a:r>
+            <a:r>
+              <a:rPr lang="es-CL" dirty="0" err="1" smtClean="0">
+                <a:hlinkClick r:id="rId5" tooltip="Cocoa Touch"/>
+              </a:rPr>
+              <a:t>Touch</a:t>
+            </a:r>
+            <a:r>
+              <a:rPr lang="es-CL" dirty="0" smtClean="0"/>
+              <a:t>)</a:t>
+            </a:r>
+          </a:p>
+          <a:p>
+            <a:endParaRPr lang="es-CL" dirty="0"/>
+          </a:p>
+        </p:txBody>
+      </p:sp>
+    </p:spTree>
+  </p:cSld>
+  <p:clrMapOvr>
+    <a:masterClrMapping/>
+  </p:clrMapOvr>
 </p:sld>
 </file>
 
@@ -8551,7 +9729,7 @@
     </a:clrScheme>
     <a:fontScheme name="Wisp">
       <a:majorFont>
-        <a:latin typeface="Century Gothic" panose="020B0502020202020204"/>
+        <a:latin typeface="Century Gothic"/>
         <a:ea typeface=""/>
         <a:cs typeface=""/>
         <a:font script="Jpan" typeface="メイリオ"/>
@@ -8586,7 +9764,7 @@
         <a:font script="Geor" typeface="Sylfaen"/>
       </a:majorFont>
       <a:minorFont>
-        <a:latin typeface="Century Gothic" panose="020B0502020202020204"/>
+        <a:latin typeface="Century Gothic"/>
         <a:ea typeface=""/>
         <a:cs typeface=""/>
         <a:font script="Jpan" typeface="メイリオ"/>
@@ -8745,7 +9923,7 @@
   <a:extraClrSchemeLst/>
   <a:extLst>
     <a:ext uri="{05A4C25C-085E-4340-85A3-A5531E510DB2}">
-      <thm15:themeFamily xmlns:thm15="http://schemas.microsoft.com/office/thememl/2012/main" name="Wisp" id="{7CB32D59-10C0-40DD-B7BD-2E94284A981C}" vid="{24B1A44C-C006-48B2-A4D7-E5549B3D8CD4}"/>
+      <thm15:themeFamily xmlns:thm15="http://schemas.microsoft.com/office/thememl/2012/main" xmlns="" name="Wisp" id="{7CB32D59-10C0-40DD-B7BD-2E94284A981C}" vid="{24B1A44C-C006-48B2-A4D7-E5549B3D8CD4}"/>
     </a:ext>
   </a:extLst>
 </a:theme>

--- a/Frontend.pptx
+++ b/Frontend.pptx
@@ -6,22 +6,24 @@
   </p:sldMasterIdLst>
   <p:sldIdLst>
     <p:sldId id="256" r:id="rId2"/>
-    <p:sldId id="257" r:id="rId3"/>
-    <p:sldId id="258" r:id="rId4"/>
-    <p:sldId id="259" r:id="rId5"/>
-    <p:sldId id="260" r:id="rId6"/>
-    <p:sldId id="261" r:id="rId7"/>
-    <p:sldId id="262" r:id="rId8"/>
-    <p:sldId id="263" r:id="rId9"/>
-    <p:sldId id="264" r:id="rId10"/>
-    <p:sldId id="265" r:id="rId11"/>
+    <p:sldId id="258" r:id="rId3"/>
+    <p:sldId id="257" r:id="rId4"/>
+    <p:sldId id="263" r:id="rId5"/>
+    <p:sldId id="273" r:id="rId6"/>
+    <p:sldId id="262" r:id="rId7"/>
+    <p:sldId id="260" r:id="rId8"/>
+    <p:sldId id="261" r:id="rId9"/>
+    <p:sldId id="259" r:id="rId10"/>
+    <p:sldId id="264" r:id="rId11"/>
     <p:sldId id="266" r:id="rId12"/>
     <p:sldId id="268" r:id="rId13"/>
     <p:sldId id="267" r:id="rId14"/>
-    <p:sldId id="269" r:id="rId15"/>
-    <p:sldId id="271" r:id="rId16"/>
-    <p:sldId id="272" r:id="rId17"/>
-    <p:sldId id="270" r:id="rId18"/>
+    <p:sldId id="271" r:id="rId15"/>
+    <p:sldId id="272" r:id="rId16"/>
+    <p:sldId id="270" r:id="rId17"/>
+    <p:sldId id="274" r:id="rId18"/>
+    <p:sldId id="275" r:id="rId19"/>
+    <p:sldId id="276" r:id="rId20"/>
   </p:sldIdLst>
   <p:sldSz cx="12192000" cy="6858000"/>
   <p:notesSz cx="6858000" cy="9144000"/>
@@ -120,6 +122,22 @@
       </a:defRPr>
     </a:lvl9pPr>
   </p:defaultTextStyle>
+  <p:extLst>
+    <p:ext uri="{EFAFB233-063F-42B5-8137-9DF3F51BA10A}">
+      <p15:sldGuideLst xmlns:p15="http://schemas.microsoft.com/office/powerpoint/2012/main">
+        <p15:guide id="1" orient="horz" pos="2160">
+          <p15:clr>
+            <a:srgbClr val="A4A3A4"/>
+          </p15:clr>
+        </p15:guide>
+        <p15:guide id="2" pos="3840">
+          <p15:clr>
+            <a:srgbClr val="A4A3A4"/>
+          </p15:clr>
+        </p15:guide>
+      </p15:sldGuideLst>
+    </p:ext>
+  </p:extLst>
 </p:presentation>
 </file>
 
@@ -312,7 +330,7 @@
             <a:fld id="{B61BEF0D-F0BB-DE4B-95CE-6DB70DBA9567}" type="datetimeFigureOut">
               <a:rPr lang="en-US" dirty="0"/>
               <a:pPr/>
-              <a:t>8/18/2017</a:t>
+              <a:t>8/20/2017</a:t>
             </a:fld>
             <a:endParaRPr lang="en-US" dirty="0"/>
           </a:p>
@@ -647,7 +665,7 @@
             <a:fld id="{B61BEF0D-F0BB-DE4B-95CE-6DB70DBA9567}" type="datetimeFigureOut">
               <a:rPr lang="en-US" dirty="0"/>
               <a:pPr/>
-              <a:t>8/18/2017</a:t>
+              <a:t>8/20/2017</a:t>
             </a:fld>
             <a:endParaRPr lang="en-US" dirty="0"/>
           </a:p>
@@ -1045,7 +1063,7 @@
             <a:fld id="{B61BEF0D-F0BB-DE4B-95CE-6DB70DBA9567}" type="datetimeFigureOut">
               <a:rPr lang="en-US" dirty="0"/>
               <a:pPr/>
-              <a:t>8/18/2017</a:t>
+              <a:t>8/20/2017</a:t>
             </a:fld>
             <a:endParaRPr lang="en-US" dirty="0"/>
           </a:p>
@@ -1378,7 +1396,7 @@
             <a:fld id="{B61BEF0D-F0BB-DE4B-95CE-6DB70DBA9567}" type="datetimeFigureOut">
               <a:rPr lang="en-US" dirty="0"/>
               <a:pPr/>
-              <a:t>8/18/2017</a:t>
+              <a:t>8/20/2017</a:t>
             </a:fld>
             <a:endParaRPr lang="en-US" dirty="0"/>
           </a:p>
@@ -1695,7 +1713,7 @@
             <a:fld id="{B61BEF0D-F0BB-DE4B-95CE-6DB70DBA9567}" type="datetimeFigureOut">
               <a:rPr lang="en-US" dirty="0"/>
               <a:pPr/>
-              <a:t>8/18/2017</a:t>
+              <a:t>8/20/2017</a:t>
             </a:fld>
             <a:endParaRPr lang="en-US" dirty="0"/>
           </a:p>
@@ -2088,7 +2106,7 @@
             <a:fld id="{B61BEF0D-F0BB-DE4B-95CE-6DB70DBA9567}" type="datetimeFigureOut">
               <a:rPr lang="en-US" dirty="0"/>
               <a:pPr/>
-              <a:t>8/18/2017</a:t>
+              <a:t>8/20/2017</a:t>
             </a:fld>
             <a:endParaRPr lang="en-US" dirty="0"/>
           </a:p>
@@ -2342,7 +2360,7 @@
             <a:fld id="{B61BEF0D-F0BB-DE4B-95CE-6DB70DBA9567}" type="datetimeFigureOut">
               <a:rPr lang="en-US" dirty="0"/>
               <a:pPr/>
-              <a:t>8/18/2017</a:t>
+              <a:t>8/20/2017</a:t>
             </a:fld>
             <a:endParaRPr lang="en-US" dirty="0"/>
           </a:p>
@@ -2601,7 +2619,7 @@
             <a:fld id="{B61BEF0D-F0BB-DE4B-95CE-6DB70DBA9567}" type="datetimeFigureOut">
               <a:rPr lang="en-US" dirty="0"/>
               <a:pPr/>
-              <a:t>8/18/2017</a:t>
+              <a:t>8/20/2017</a:t>
             </a:fld>
             <a:endParaRPr lang="en-US" dirty="0"/>
           </a:p>
@@ -2860,7 +2878,7 @@
             <a:fld id="{B61BEF0D-F0BB-DE4B-95CE-6DB70DBA9567}" type="datetimeFigureOut">
               <a:rPr lang="en-US" dirty="0"/>
               <a:pPr/>
-              <a:t>8/18/2017</a:t>
+              <a:t>8/20/2017</a:t>
             </a:fld>
             <a:endParaRPr lang="en-US" dirty="0"/>
           </a:p>
@@ -3186,7 +3204,7 @@
             <a:fld id="{B61BEF0D-F0BB-DE4B-95CE-6DB70DBA9567}" type="datetimeFigureOut">
               <a:rPr lang="en-US" dirty="0"/>
               <a:pPr/>
-              <a:t>8/18/2017</a:t>
+              <a:t>8/20/2017</a:t>
             </a:fld>
             <a:endParaRPr lang="en-US" dirty="0"/>
           </a:p>
@@ -3506,7 +3524,7 @@
             <a:fld id="{B61BEF0D-F0BB-DE4B-95CE-6DB70DBA9567}" type="datetimeFigureOut">
               <a:rPr lang="en-US" dirty="0"/>
               <a:pPr/>
-              <a:t>8/18/2017</a:t>
+              <a:t>8/20/2017</a:t>
             </a:fld>
             <a:endParaRPr lang="en-US" dirty="0"/>
           </a:p>
@@ -3960,7 +3978,7 @@
             <a:fld id="{B61BEF0D-F0BB-DE4B-95CE-6DB70DBA9567}" type="datetimeFigureOut">
               <a:rPr lang="en-US" dirty="0"/>
               <a:pPr/>
-              <a:t>8/18/2017</a:t>
+              <a:t>8/20/2017</a:t>
             </a:fld>
             <a:endParaRPr lang="en-US" dirty="0"/>
           </a:p>
@@ -4162,7 +4180,7 @@
             <a:fld id="{B61BEF0D-F0BB-DE4B-95CE-6DB70DBA9567}" type="datetimeFigureOut">
               <a:rPr lang="en-US" dirty="0"/>
               <a:pPr/>
-              <a:t>8/18/2017</a:t>
+              <a:t>8/20/2017</a:t>
             </a:fld>
             <a:endParaRPr lang="en-US" dirty="0"/>
           </a:p>
@@ -4336,7 +4354,7 @@
             <a:fld id="{B61BEF0D-F0BB-DE4B-95CE-6DB70DBA9567}" type="datetimeFigureOut">
               <a:rPr lang="en-US" dirty="0"/>
               <a:pPr/>
-              <a:t>8/18/2017</a:t>
+              <a:t>8/20/2017</a:t>
             </a:fld>
             <a:endParaRPr lang="en-US" dirty="0"/>
           </a:p>
@@ -4666,7 +4684,7 @@
             <a:fld id="{B61BEF0D-F0BB-DE4B-95CE-6DB70DBA9567}" type="datetimeFigureOut">
               <a:rPr lang="en-US" dirty="0"/>
               <a:pPr/>
-              <a:t>8/18/2017</a:t>
+              <a:t>8/20/2017</a:t>
             </a:fld>
             <a:endParaRPr lang="en-US" dirty="0"/>
           </a:p>
@@ -5008,7 +5026,7 @@
             <a:fld id="{B61BEF0D-F0BB-DE4B-95CE-6DB70DBA9567}" type="datetimeFigureOut">
               <a:rPr lang="en-US" dirty="0"/>
               <a:pPr/>
-              <a:t>8/18/2017</a:t>
+              <a:t>8/20/2017</a:t>
             </a:fld>
             <a:endParaRPr lang="en-US" dirty="0"/>
           </a:p>
@@ -7122,7 +7140,7 @@
             <a:fld id="{B61BEF0D-F0BB-DE4B-95CE-6DB70DBA9567}" type="datetimeFigureOut">
               <a:rPr lang="en-US" dirty="0"/>
               <a:pPr/>
-              <a:t>8/18/2017</a:t>
+              <a:t>8/20/2017</a:t>
             </a:fld>
             <a:endParaRPr lang="en-US" dirty="0"/>
           </a:p>
@@ -7705,13 +7723,20 @@
     </p:spTree>
     <p:extLst>
       <p:ext uri="{BB962C8B-B14F-4D97-AF65-F5344CB8AC3E}">
-        <p14:creationId xmlns:p14="http://schemas.microsoft.com/office/powerpoint/2010/main" xmlns="" val="2933505555"/>
+        <p14:creationId xmlns:p14="http://schemas.microsoft.com/office/powerpoint/2010/main" val="2933505555"/>
       </p:ext>
     </p:extLst>
   </p:cSld>
   <p:clrMapOvr>
     <a:masterClrMapping/>
   </p:clrMapOvr>
+  <p:timing>
+    <p:tnLst>
+      <p:par>
+        <p:cTn id="1" dur="indefinite" restart="never" nodeType="tmRoot"/>
+      </p:par>
+    </p:tnLst>
+  </p:timing>
 </p:sld>
 </file>
 
@@ -7748,6 +7773,10 @@
           <a:lstStyle/>
           <a:p>
             <a:r>
+              <a:rPr lang="es-CL" dirty="0" smtClean="0"/>
+              <a:t>Framework </a:t>
+            </a:r>
+            <a:r>
               <a:rPr lang="es-CL" dirty="0" err="1" smtClean="0"/>
               <a:t>Backend</a:t>
             </a:r>
@@ -7765,10 +7794,238 @@
             <p:ph idx="1"/>
           </p:nvPr>
         </p:nvSpPr>
-        <p:spPr/>
-        <p:txBody>
-          <a:bodyPr/>
+        <p:spPr>
+          <a:xfrm>
+            <a:off x="2458583" y="1824842"/>
+            <a:ext cx="8915400" cy="3777622"/>
+          </a:xfrm>
+        </p:spPr>
+        <p:txBody>
+          <a:bodyPr>
+            <a:normAutofit/>
+          </a:bodyPr>
           <a:lstStyle/>
+          <a:p>
+            <a:r>
+              <a:rPr lang="es-CL" dirty="0" smtClean="0"/>
+              <a:t>Lenguajes y Framework</a:t>
+            </a:r>
+          </a:p>
+          <a:p>
+            <a:pPr lvl="1"/>
+            <a:r>
+              <a:rPr lang="es-CL" dirty="0" smtClean="0"/>
+              <a:t>Java	(Spring MVC, </a:t>
+            </a:r>
+            <a:r>
+              <a:rPr lang="es-CL" dirty="0" err="1" smtClean="0"/>
+              <a:t>Struts</a:t>
+            </a:r>
+            <a:r>
+              <a:rPr lang="es-CL" dirty="0" smtClean="0"/>
+              <a:t> 2)</a:t>
+            </a:r>
+          </a:p>
+          <a:p>
+            <a:pPr lvl="1"/>
+            <a:r>
+              <a:rPr lang="es-CL" dirty="0" err="1" smtClean="0"/>
+              <a:t>Python</a:t>
+            </a:r>
+            <a:r>
+              <a:rPr lang="es-CL" dirty="0" smtClean="0"/>
+              <a:t> (Django, </a:t>
+            </a:r>
+            <a:r>
+              <a:rPr lang="es-CL" dirty="0" err="1" smtClean="0">
+                <a:hlinkClick r:id="rId2"/>
+              </a:rPr>
+              <a:t>Flask</a:t>
+            </a:r>
+            <a:r>
+              <a:rPr lang="es-CL" dirty="0" smtClean="0"/>
+              <a:t> , Tornado)</a:t>
+            </a:r>
+          </a:p>
+          <a:p>
+            <a:pPr lvl="1"/>
+            <a:r>
+              <a:rPr lang="es-CL" dirty="0" smtClean="0"/>
+              <a:t>Elixir (PHOENIX, </a:t>
+            </a:r>
+            <a:r>
+              <a:rPr lang="es-CL" dirty="0" err="1" smtClean="0"/>
+              <a:t>Sugar</a:t>
+            </a:r>
+            <a:r>
+              <a:rPr lang="es-CL" dirty="0" smtClean="0"/>
+              <a:t>)</a:t>
+            </a:r>
+          </a:p>
+          <a:p>
+            <a:pPr lvl="1"/>
+            <a:r>
+              <a:rPr lang="es-CL" dirty="0" err="1" smtClean="0"/>
+              <a:t>Rust</a:t>
+            </a:r>
+            <a:r>
+              <a:rPr lang="es-CL" dirty="0" smtClean="0"/>
+              <a:t> (IRON, </a:t>
+            </a:r>
+            <a:r>
+              <a:rPr lang="es-CL" dirty="0" err="1" smtClean="0">
+                <a:hlinkClick r:id="rId3"/>
+              </a:rPr>
+              <a:t>rustful</a:t>
+            </a:r>
+            <a:r>
+              <a:rPr lang="es-CL" dirty="0" smtClean="0"/>
+              <a:t>)</a:t>
+            </a:r>
+          </a:p>
+          <a:p>
+            <a:pPr lvl="1"/>
+            <a:r>
+              <a:rPr lang="es-CL" dirty="0" err="1" smtClean="0"/>
+              <a:t>Go</a:t>
+            </a:r>
+            <a:r>
+              <a:rPr lang="es-CL" dirty="0" smtClean="0"/>
+              <a:t>(</a:t>
+            </a:r>
+            <a:r>
+              <a:rPr lang="es-CL" dirty="0" err="1" smtClean="0"/>
+              <a:t>Revel</a:t>
+            </a:r>
+            <a:r>
+              <a:rPr lang="es-CL" dirty="0" smtClean="0"/>
+              <a:t>, </a:t>
+            </a:r>
+            <a:r>
+              <a:rPr lang="es-CL" dirty="0" err="1" smtClean="0"/>
+              <a:t>beego</a:t>
+            </a:r>
+            <a:r>
+              <a:rPr lang="es-CL" dirty="0" smtClean="0"/>
+              <a:t>)</a:t>
+            </a:r>
+          </a:p>
+          <a:p>
+            <a:pPr lvl="1"/>
+            <a:r>
+              <a:rPr lang="es-CL" dirty="0" smtClean="0"/>
+              <a:t>PHP (</a:t>
+            </a:r>
+            <a:r>
+              <a:rPr lang="es-CL" dirty="0" err="1" smtClean="0"/>
+              <a:t>Laravel</a:t>
+            </a:r>
+            <a:r>
+              <a:rPr lang="es-CL" dirty="0" smtClean="0"/>
+              <a:t>, </a:t>
+            </a:r>
+            <a:r>
+              <a:rPr lang="es-CL" dirty="0" err="1" smtClean="0"/>
+              <a:t>Fat</a:t>
+            </a:r>
+            <a:r>
+              <a:rPr lang="es-CL" dirty="0" smtClean="0"/>
+              <a:t>-Free Framework)</a:t>
+            </a:r>
+          </a:p>
+          <a:p>
+            <a:pPr lvl="1"/>
+            <a:r>
+              <a:rPr lang="es-CL" dirty="0" err="1" smtClean="0"/>
+              <a:t>Ruby</a:t>
+            </a:r>
+            <a:r>
+              <a:rPr lang="es-CL" dirty="0" smtClean="0"/>
+              <a:t> (</a:t>
+            </a:r>
+            <a:r>
+              <a:rPr lang="es-CL" dirty="0" err="1" smtClean="0"/>
+              <a:t>Ruby</a:t>
+            </a:r>
+            <a:r>
+              <a:rPr lang="es-CL" dirty="0" smtClean="0"/>
+              <a:t> </a:t>
+            </a:r>
+            <a:r>
+              <a:rPr lang="es-CL" dirty="0" err="1" smtClean="0"/>
+              <a:t>on</a:t>
+            </a:r>
+            <a:r>
+              <a:rPr lang="es-CL" dirty="0" smtClean="0"/>
+              <a:t> </a:t>
+            </a:r>
+            <a:r>
+              <a:rPr lang="es-CL" dirty="0" err="1" smtClean="0"/>
+              <a:t>Rails</a:t>
+            </a:r>
+            <a:r>
+              <a:rPr lang="es-CL" dirty="0" smtClean="0"/>
+              <a:t>)</a:t>
+            </a:r>
+          </a:p>
+          <a:p>
+            <a:pPr lvl="1"/>
+            <a:r>
+              <a:rPr lang="es-CL" dirty="0" smtClean="0"/>
+              <a:t>C# (</a:t>
+            </a:r>
+            <a:r>
+              <a:rPr lang="es-CL" dirty="0" err="1" smtClean="0"/>
+              <a:t>.Net</a:t>
+            </a:r>
+            <a:r>
+              <a:rPr lang="es-CL" dirty="0" smtClean="0"/>
+              <a:t> 4.5)</a:t>
+            </a:r>
+          </a:p>
+          <a:p>
+            <a:pPr lvl="1"/>
+            <a:r>
+              <a:rPr lang="es-CL" dirty="0" err="1" smtClean="0"/>
+              <a:t>Swift</a:t>
+            </a:r>
+            <a:r>
+              <a:rPr lang="es-CL" dirty="0" smtClean="0"/>
+              <a:t> (</a:t>
+            </a:r>
+            <a:r>
+              <a:rPr lang="es-CL" dirty="0" err="1" smtClean="0">
+                <a:hlinkClick r:id="rId4"/>
+              </a:rPr>
+              <a:t>Cocoa</a:t>
+            </a:r>
+            <a:r>
+              <a:rPr lang="es-CL" dirty="0" smtClean="0"/>
+              <a:t> y </a:t>
+            </a:r>
+            <a:r>
+              <a:rPr lang="es-CL" dirty="0" err="1" smtClean="0">
+                <a:hlinkClick r:id="rId5" tooltip="Cocoa Touch"/>
+              </a:rPr>
+              <a:t>Cocoa</a:t>
+            </a:r>
+            <a:r>
+              <a:rPr lang="es-CL" dirty="0" smtClean="0">
+                <a:hlinkClick r:id="rId5" tooltip="Cocoa Touch"/>
+              </a:rPr>
+              <a:t> </a:t>
+            </a:r>
+            <a:r>
+              <a:rPr lang="es-CL" dirty="0" err="1" smtClean="0">
+                <a:hlinkClick r:id="rId5" tooltip="Cocoa Touch"/>
+              </a:rPr>
+              <a:t>Touch</a:t>
+            </a:r>
+            <a:r>
+              <a:rPr lang="es-CL" dirty="0" smtClean="0"/>
+              <a:t>)</a:t>
+            </a:r>
+          </a:p>
           <a:p>
             <a:endParaRPr lang="es-CL" dirty="0"/>
           </a:p>
@@ -7779,6 +8036,13 @@
   <p:clrMapOvr>
     <a:masterClrMapping/>
   </p:clrMapOvr>
+  <p:timing>
+    <p:tnLst>
+      <p:par>
+        <p:cTn id="1" dur="indefinite" restart="never" nodeType="tmRoot"/>
+      </p:par>
+    </p:tnLst>
+  </p:timing>
 </p:sld>
 </file>
 
@@ -7855,6 +8119,13 @@
   <p:clrMapOvr>
     <a:masterClrMapping/>
   </p:clrMapOvr>
+  <p:timing>
+    <p:tnLst>
+      <p:par>
+        <p:cTn id="1" dur="indefinite" restart="never" nodeType="tmRoot"/>
+      </p:par>
+    </p:tnLst>
+  </p:timing>
 </p:sld>
 </file>
 
@@ -7929,6 +8200,13 @@
   <p:clrMapOvr>
     <a:masterClrMapping/>
   </p:clrMapOvr>
+  <p:timing>
+    <p:tnLst>
+      <p:par>
+        <p:cTn id="1" dur="indefinite" restart="never" nodeType="tmRoot"/>
+      </p:par>
+    </p:tnLst>
+  </p:timing>
 </p:sld>
 </file>
 
@@ -8003,6 +8281,13 @@
   <p:clrMapOvr>
     <a:masterClrMapping/>
   </p:clrMapOvr>
+  <p:timing>
+    <p:tnLst>
+      <p:par>
+        <p:cTn id="1" dur="indefinite" restart="never" nodeType="tmRoot"/>
+      </p:par>
+    </p:tnLst>
+  </p:timing>
 </p:sld>
 </file>
 
@@ -8039,50 +8324,90 @@
           <a:lstStyle/>
           <a:p>
             <a:r>
+              <a:rPr lang="es-CL" dirty="0" err="1" smtClean="0"/>
+              <a:t>DevOps</a:t>
+            </a:r>
+            <a:endParaRPr lang="es-CL" dirty="0"/>
+          </a:p>
+        </p:txBody>
+      </p:sp>
+      <p:sp>
+        <p:nvSpPr>
+          <p:cNvPr id="3" name="2 Marcador de contenido"/>
+          <p:cNvSpPr>
+            <a:spLocks noGrp="1"/>
+          </p:cNvSpPr>
+          <p:nvPr>
+            <p:ph idx="1"/>
+          </p:nvPr>
+        </p:nvSpPr>
+        <p:spPr>
+          <a:xfrm>
+            <a:off x="2092823" y="2159726"/>
+            <a:ext cx="9284925" cy="3777622"/>
+          </a:xfrm>
+        </p:spPr>
+        <p:txBody>
+          <a:bodyPr>
+            <a:normAutofit lnSpcReduction="10000"/>
+          </a:bodyPr>
+          <a:lstStyle/>
+          <a:p>
+            <a:r>
               <a:rPr lang="es-CL" dirty="0" smtClean="0"/>
-              <a:t>Nube</a:t>
-            </a:r>
+              <a:t>Es </a:t>
+            </a:r>
+            <a:r>
+              <a:rPr lang="es-CL" dirty="0"/>
+              <a:t>uno de los términos más mencionados en el actual entorno de IT. Normalmente se asocia a estrategias de transformación digital, y a metodologías como </a:t>
+            </a:r>
+            <a:r>
+              <a:rPr lang="es-CL" dirty="0" smtClean="0"/>
+              <a:t>Entrega continua o </a:t>
+            </a:r>
+            <a:r>
+              <a:rPr lang="es-CL" dirty="0"/>
+              <a:t>desarrollo ágil</a:t>
+            </a:r>
+            <a:r>
+              <a:rPr lang="es-CL" dirty="0" smtClean="0"/>
+              <a:t>.</a:t>
+            </a:r>
+          </a:p>
+          <a:p>
             <a:endParaRPr lang="es-CL" dirty="0"/>
           </a:p>
-        </p:txBody>
-      </p:sp>
-      <p:sp>
-        <p:nvSpPr>
-          <p:cNvPr id="3" name="2 Marcador de contenido"/>
-          <p:cNvSpPr>
-            <a:spLocks noGrp="1"/>
-          </p:cNvSpPr>
-          <p:nvPr>
-            <p:ph idx="1"/>
-          </p:nvPr>
-        </p:nvSpPr>
-        <p:spPr/>
-        <p:txBody>
-          <a:bodyPr/>
-          <a:lstStyle/>
-          <a:p>
+          <a:p>
+            <a:pPr fontAlgn="base"/>
             <a:r>
               <a:rPr lang="es-CL" dirty="0" smtClean="0"/>
-              <a:t>Amazon</a:t>
-            </a:r>
-          </a:p>
-          <a:p>
+              <a:t>Se </a:t>
+            </a:r>
+            <a:r>
+              <a:rPr lang="es-CL" dirty="0"/>
+              <a:t>refiere a una metodología de desarrollo de software que se centra en la comunicación, colaboración e integración entre desarrolladores de software y los profesionales de sistemas en las tecnologías de la información (IT</a:t>
+            </a:r>
             <a:r>
               <a:rPr lang="es-CL" dirty="0" smtClean="0"/>
-              <a:t>Google</a:t>
-            </a:r>
-          </a:p>
-          <a:p>
-            <a:r>
-              <a:rPr lang="es-CL" dirty="0" err="1" smtClean="0"/>
-              <a:t>Heroku</a:t>
-            </a:r>
-            <a:endParaRPr lang="es-CL" dirty="0" smtClean="0"/>
-          </a:p>
-          <a:p>
-            <a:pPr>
-              <a:buNone/>
-            </a:pPr>
+              <a:t>)”.</a:t>
+            </a:r>
+          </a:p>
+          <a:p>
+            <a:pPr fontAlgn="base"/>
+            <a:endParaRPr lang="es-CL" dirty="0"/>
+          </a:p>
+          <a:p>
+            <a:pPr fontAlgn="base"/>
+            <a:r>
+              <a:rPr lang="es-CL" dirty="0" smtClean="0"/>
+              <a:t>Es una </a:t>
+            </a:r>
+            <a:r>
+              <a:rPr lang="es-CL" dirty="0"/>
+              <a:t>respuesta a la interdependencia del desarrollo de software y las operaciones IT. Su objetivo es ayudar a una organización a producir productos y servicios software más rápidamente, de mejor calidad y a un coste menor. </a:t>
+            </a:r>
+          </a:p>
+          <a:p>
             <a:endParaRPr lang="es-CL" dirty="0"/>
           </a:p>
         </p:txBody>
@@ -8092,6 +8417,13 @@
   <p:clrMapOvr>
     <a:masterClrMapping/>
   </p:clrMapOvr>
+  <p:timing>
+    <p:tnLst>
+      <p:par>
+        <p:cTn id="1" dur="indefinite" restart="never" nodeType="tmRoot"/>
+      </p:par>
+    </p:tnLst>
+  </p:timing>
 </p:sld>
 </file>
 
@@ -8151,113 +8483,91 @@
           <a:lstStyle/>
           <a:p>
             <a:r>
+              <a:rPr lang="es-CL" dirty="0"/>
+              <a:t>Las empresas con entregas </a:t>
+            </a:r>
+            <a:r>
               <a:rPr lang="es-CL" dirty="0" smtClean="0"/>
-              <a:t>Es </a:t>
+              <a:t>muy </a:t>
+            </a:r>
+            <a:r>
+              <a:rPr lang="es-CL" dirty="0"/>
+              <a:t>frecuentes podrían requerir conocimientos de </a:t>
+            </a:r>
+            <a:r>
+              <a:rPr lang="es-CL" dirty="0" err="1"/>
+              <a:t>DevOps</a:t>
+            </a:r>
+            <a:r>
+              <a:rPr lang="es-CL" dirty="0"/>
+              <a:t>. </a:t>
+            </a:r>
+            <a:endParaRPr lang="es-CL" dirty="0" smtClean="0"/>
+          </a:p>
+          <a:p>
+            <a:endParaRPr lang="es-CL" dirty="0"/>
+          </a:p>
+          <a:p>
+            <a:r>
+              <a:rPr lang="es-CL" dirty="0" err="1" smtClean="0"/>
+              <a:t>Flickr</a:t>
             </a:r>
             <a:r>
               <a:rPr lang="es-CL" dirty="0" smtClean="0"/>
-              <a:t>un </a:t>
-            </a:r>
-            <a:r>
-              <a:rPr lang="es-CL" dirty="0" smtClean="0">
-                <a:hlinkClick r:id="rId2" tooltip="Acrónimo"/>
-              </a:rPr>
-              <a:t>acrónimo</a:t>
+              <a:t> </a:t>
+            </a:r>
+            <a:r>
+              <a:rPr lang="es-CL" dirty="0"/>
+              <a:t>desarrolló un sistema </a:t>
+            </a:r>
+            <a:r>
+              <a:rPr lang="es-CL" dirty="0" err="1"/>
+              <a:t>DevOps</a:t>
+            </a:r>
+            <a:r>
+              <a:rPr lang="es-CL" dirty="0"/>
+              <a:t> para cumplir un requisito de negocio de diez despliegues diarios. A este tipo de sistemas se les conoce como despliegue continuo </a:t>
             </a:r>
             <a:r>
               <a:rPr lang="es-CL" dirty="0" smtClean="0"/>
-              <a:t> inglés de </a:t>
-            </a:r>
-            <a:r>
-              <a:rPr lang="es-CL" i="1" dirty="0" err="1" smtClean="0"/>
-              <a:t>development</a:t>
+              <a:t>o </a:t>
+            </a:r>
+            <a:r>
+              <a:rPr lang="es-CL" dirty="0"/>
+              <a:t>entrega continua </a:t>
             </a:r>
             <a:r>
               <a:rPr lang="es-CL" dirty="0" smtClean="0"/>
-              <a:t> (</a:t>
-            </a:r>
-            <a:r>
-              <a:rPr lang="es-CL" dirty="0" smtClean="0">
-                <a:hlinkClick r:id="rId3" tooltip="Desarrollo de software"/>
-              </a:rPr>
-              <a:t>desarrollo</a:t>
-            </a:r>
+              <a:t>y </a:t>
+            </a:r>
+            <a:r>
+              <a:rPr lang="es-CL" dirty="0"/>
+              <a:t>suelen estar asociados a metodologías lean </a:t>
+            </a:r>
+            <a:r>
+              <a:rPr lang="es-CL" dirty="0" err="1"/>
+              <a:t>startup</a:t>
+            </a:r>
+            <a:r>
+              <a:rPr lang="es-CL" dirty="0"/>
+              <a:t>. </a:t>
+            </a:r>
+            <a:endParaRPr lang="es-CL" dirty="0" smtClean="0"/>
+          </a:p>
+          <a:p>
+            <a:endParaRPr lang="es-CL" dirty="0" smtClean="0"/>
+          </a:p>
+          <a:p>
             <a:r>
               <a:rPr lang="es-CL" dirty="0" smtClean="0"/>
-              <a:t>) y </a:t>
-            </a:r>
-            <a:r>
-              <a:rPr lang="es-CL" i="1" dirty="0" err="1" smtClean="0"/>
-              <a:t>operations</a:t>
-            </a:r>
-            <a:r>
-              <a:rPr lang="es-CL" dirty="0" smtClean="0"/>
-              <a:t> (</a:t>
-            </a:r>
-            <a:r>
-              <a:rPr lang="es-CL" dirty="0" smtClean="0">
-                <a:hlinkClick r:id="rId4" tooltip="Operaciones (IT) (aún no redactado)"/>
-              </a:rPr>
-              <a:t>operaciones</a:t>
-            </a:r>
-            <a:r>
-              <a:rPr lang="es-CL" dirty="0" smtClean="0"/>
-              <a:t>), es un </a:t>
-            </a:r>
-            <a:r>
-              <a:rPr lang="es-CL" dirty="0" smtClean="0">
-                <a:hlinkClick r:id="rId5" tooltip="Proceso de desarrollo de software"/>
-              </a:rPr>
-              <a:t>desarrollo de software</a:t>
-            </a:r>
-            <a:r>
-              <a:rPr lang="es-CL" dirty="0" smtClean="0"/>
-              <a:t> y el </a:t>
-            </a:r>
-            <a:r>
-              <a:rPr lang="es-CL" dirty="0" smtClean="0">
-                <a:hlinkClick r:id="rId6" tooltip="Despliegue de software"/>
-              </a:rPr>
-              <a:t>proceso de entrega</a:t>
-            </a:r>
-            <a:r>
-              <a:rPr lang="es-CL" dirty="0" smtClean="0"/>
-              <a:t> que hace hincapié en </a:t>
-            </a:r>
-            <a:r>
-              <a:rPr lang="es-CL" dirty="0" smtClean="0">
-                <a:hlinkClick r:id="rId7" tooltip="Comunicación"/>
-              </a:rPr>
-              <a:t>la comunicación</a:t>
-            </a:r>
-            <a:r>
-              <a:rPr lang="es-CL" dirty="0" smtClean="0"/>
-              <a:t> y </a:t>
-            </a:r>
-            <a:r>
-              <a:rPr lang="es-CL" dirty="0" smtClean="0">
-                <a:hlinkClick r:id="rId8" tooltip="Colaboración"/>
-              </a:rPr>
-              <a:t>la colaboración</a:t>
-            </a:r>
-            <a:r>
-              <a:rPr lang="es-CL" dirty="0" smtClean="0"/>
-              <a:t> entre la gestión de productos, desarrollo de software y profesionales de operaciones</a:t>
-            </a:r>
-            <a:endParaRPr lang="es-CL" dirty="0" smtClean="0"/>
-          </a:p>
-          <a:p>
-            <a:endParaRPr lang="es-CL" dirty="0" smtClean="0"/>
-          </a:p>
-          <a:p>
-            <a:r>
-              <a:rPr lang="es-CL" dirty="0" smtClean="0"/>
-              <a:t>Automatiza el proceso de entrega del software y los cambios en la infraestructura. Su objetivo es ayudar a crear un entorno donde la construcción, prueba y lanzamiento de un software pueda ser más rápido y con mayor </a:t>
-            </a:r>
-            <a:r>
-              <a:rPr lang="es-CL" b="1" dirty="0" smtClean="0"/>
-              <a:t>fiabilidad</a:t>
-            </a:r>
+              <a:t>Grupos </a:t>
+            </a:r>
+            <a:r>
+              <a:rPr lang="es-CL" dirty="0"/>
+              <a:t>de trabajo, asociaciones profesionales y blogs usan el término desde 2009“.</a:t>
+            </a:r>
+          </a:p>
+          <a:p>
             <a:endParaRPr lang="es-CL" dirty="0"/>
           </a:p>
         </p:txBody>
@@ -8267,6 +8577,13 @@
   <p:clrMapOvr>
     <a:masterClrMapping/>
   </p:clrMapOvr>
+  <p:timing>
+    <p:tnLst>
+      <p:par>
+        <p:cTn id="1" dur="indefinite" restart="never" nodeType="tmRoot"/>
+      </p:par>
+    </p:tnLst>
+  </p:timing>
 </p:sld>
 </file>
 
@@ -8302,7 +8619,15 @@
           <a:bodyPr/>
           <a:lstStyle/>
           <a:p>
-            <a:endParaRPr lang="es-CL"/>
+            <a:r>
+              <a:rPr lang="es-CL" dirty="0" err="1" smtClean="0"/>
+              <a:t>DevOps</a:t>
+            </a:r>
+            <a:r>
+              <a:rPr lang="es-CL" dirty="0" smtClean="0"/>
+              <a:t> - Herramientas</a:t>
+            </a:r>
+            <a:endParaRPr lang="es-CL" dirty="0"/>
           </a:p>
         </p:txBody>
       </p:sp>
@@ -8318,10 +8643,140 @@
         </p:nvSpPr>
         <p:spPr/>
         <p:txBody>
-          <a:bodyPr/>
+          <a:bodyPr>
+            <a:normAutofit fontScale="92500" lnSpcReduction="10000"/>
+          </a:bodyPr>
           <a:lstStyle/>
           <a:p>
-            <a:endParaRPr lang="es-CL"/>
+            <a:pPr>
+              <a:buFont typeface="+mj-lt"/>
+              <a:buAutoNum type="arabicPeriod"/>
+            </a:pPr>
+            <a:r>
+              <a:rPr lang="en-US" b="1" dirty="0" err="1" smtClean="0"/>
+              <a:t>Automic</a:t>
+            </a:r>
+            <a:endParaRPr lang="en-US" b="1" dirty="0" smtClean="0"/>
+          </a:p>
+          <a:p>
+            <a:pPr>
+              <a:buFont typeface="+mj-lt"/>
+              <a:buAutoNum type="arabicPeriod"/>
+            </a:pPr>
+            <a:r>
+              <a:rPr lang="en-US" b="1" dirty="0"/>
+              <a:t>Red Hat </a:t>
+            </a:r>
+            <a:r>
+              <a:rPr lang="en-US" b="1" dirty="0" err="1" smtClean="0"/>
+              <a:t>Ansible</a:t>
+            </a:r>
+            <a:endParaRPr lang="en-US" b="1" dirty="0" smtClean="0"/>
+          </a:p>
+          <a:p>
+            <a:pPr>
+              <a:buFont typeface="+mj-lt"/>
+              <a:buAutoNum type="arabicPeriod"/>
+            </a:pPr>
+            <a:r>
+              <a:rPr lang="en-US" b="1" dirty="0" err="1"/>
+              <a:t>DynaTrace</a:t>
+            </a:r>
+            <a:r>
+              <a:rPr lang="en-US" b="1" dirty="0"/>
+              <a:t> </a:t>
+            </a:r>
+            <a:r>
+              <a:rPr lang="en-US" b="1" dirty="0" err="1" smtClean="0"/>
+              <a:t>Ruxit</a:t>
+            </a:r>
+            <a:endParaRPr lang="en-US" b="1" dirty="0" smtClean="0"/>
+          </a:p>
+          <a:p>
+            <a:pPr>
+              <a:buFont typeface="+mj-lt"/>
+              <a:buAutoNum type="arabicPeriod"/>
+            </a:pPr>
+            <a:r>
+              <a:rPr lang="en-US" b="1" dirty="0" err="1" smtClean="0"/>
+              <a:t>Gradle</a:t>
+            </a:r>
+            <a:endParaRPr lang="en-US" b="1" dirty="0" smtClean="0"/>
+          </a:p>
+          <a:p>
+            <a:pPr>
+              <a:buFont typeface="+mj-lt"/>
+              <a:buAutoNum type="arabicPeriod"/>
+            </a:pPr>
+            <a:r>
+              <a:rPr lang="en-US" sz="3600" b="1" dirty="0" smtClean="0"/>
+              <a:t>Jenkins</a:t>
+            </a:r>
+          </a:p>
+          <a:p>
+            <a:pPr>
+              <a:buFont typeface="+mj-lt"/>
+              <a:buAutoNum type="arabicPeriod"/>
+            </a:pPr>
+            <a:r>
+              <a:rPr lang="en-US" b="1" dirty="0" err="1"/>
+              <a:t>JFrog</a:t>
+            </a:r>
+            <a:r>
+              <a:rPr lang="en-US" b="1" dirty="0"/>
+              <a:t> </a:t>
+            </a:r>
+            <a:r>
+              <a:rPr lang="en-US" b="1" dirty="0" err="1"/>
+              <a:t>Artifactory</a:t>
+            </a:r>
+            <a:endParaRPr lang="en-US" dirty="0"/>
+          </a:p>
+          <a:p>
+            <a:pPr>
+              <a:buFont typeface="+mj-lt"/>
+              <a:buAutoNum type="arabicPeriod"/>
+            </a:pPr>
+            <a:r>
+              <a:rPr lang="en-US" b="1" dirty="0"/>
+              <a:t>Nueva </a:t>
+            </a:r>
+            <a:r>
+              <a:rPr lang="en-US" b="1" dirty="0" smtClean="0"/>
+              <a:t>Relic</a:t>
+            </a:r>
+          </a:p>
+          <a:p>
+            <a:pPr>
+              <a:buFont typeface="+mj-lt"/>
+              <a:buAutoNum type="arabicPeriod"/>
+            </a:pPr>
+            <a:r>
+              <a:rPr lang="en-US" b="1" dirty="0" err="1" smtClean="0"/>
+              <a:t>Takipi</a:t>
+            </a:r>
+            <a:endParaRPr lang="en-US" b="1" dirty="0" smtClean="0"/>
+          </a:p>
+          <a:p>
+            <a:pPr>
+              <a:buFont typeface="+mj-lt"/>
+              <a:buAutoNum type="arabicPeriod"/>
+            </a:pPr>
+            <a:r>
+              <a:rPr lang="en-US" b="1" dirty="0" smtClean="0"/>
+              <a:t>Chef</a:t>
+            </a:r>
+            <a:r>
+              <a:rPr lang="en-US" dirty="0"/>
+              <a:t/>
+            </a:r>
+            <a:br>
+              <a:rPr lang="en-US" dirty="0"/>
+            </a:br>
+            <a:endParaRPr lang="es-CL" b="1" dirty="0" smtClean="0"/>
+          </a:p>
+          <a:p>
+            <a:endParaRPr lang="es-CL" dirty="0"/>
           </a:p>
         </p:txBody>
       </p:sp>
@@ -8330,6 +8785,13 @@
   <p:clrMapOvr>
     <a:masterClrMapping/>
   </p:clrMapOvr>
+  <p:timing>
+    <p:tnLst>
+      <p:par>
+        <p:cTn id="1" dur="indefinite" restart="never" nodeType="tmRoot"/>
+      </p:par>
+    </p:tnLst>
+  </p:timing>
 </p:sld>
 </file>
 
@@ -8352,7 +8814,7 @@
       </p:grpSpPr>
       <p:sp>
         <p:nvSpPr>
-          <p:cNvPr id="2" name="1 Título"/>
+          <p:cNvPr id="2" name="Título 1"/>
           <p:cNvSpPr>
             <a:spLocks noGrp="1"/>
           </p:cNvSpPr>
@@ -8366,130 +8828,493 @@
           <a:lstStyle/>
           <a:p>
             <a:r>
-              <a:rPr lang="es-CL" dirty="0" err="1" smtClean="0"/>
-              <a:t>DevOps</a:t>
-            </a:r>
-            <a:endParaRPr lang="es-CL" dirty="0"/>
-          </a:p>
-        </p:txBody>
-      </p:sp>
-      <p:sp>
-        <p:nvSpPr>
-          <p:cNvPr id="3" name="2 Marcador de contenido"/>
-          <p:cNvSpPr>
-            <a:spLocks noGrp="1"/>
-          </p:cNvSpPr>
+              <a:rPr lang="es-CL" dirty="0" smtClean="0"/>
+              <a:t>Jenkins</a:t>
+            </a:r>
+            <a:endParaRPr lang="en-US" dirty="0"/>
+          </a:p>
+        </p:txBody>
+      </p:sp>
+      <p:pic>
+        <p:nvPicPr>
+          <p:cNvPr id="2050" name="Picture 2" descr="Resultado de imagen para Jenkins"/>
+          <p:cNvPicPr>
+            <a:picLocks noGrp="1" noChangeAspect="1" noChangeArrowheads="1"/>
+          </p:cNvPicPr>
           <p:nvPr>
             <p:ph idx="1"/>
           </p:nvPr>
-        </p:nvSpPr>
-        <p:spPr/>
-        <p:txBody>
-          <a:bodyPr/>
+        </p:nvPicPr>
+        <p:blipFill>
+          <a:blip r:embed="rId2">
+            <a:extLst>
+              <a:ext uri="{28A0092B-C50C-407E-A947-70E740481C1C}">
+                <a14:useLocalDpi xmlns:a14="http://schemas.microsoft.com/office/drawing/2010/main" val="0"/>
+              </a:ext>
+            </a:extLst>
+          </a:blip>
+          <a:stretch>
+            <a:fillRect/>
+          </a:stretch>
+        </p:blipFill>
+        <p:spPr bwMode="auto">
+          <a:xfrm>
+            <a:off x="9560967" y="107768"/>
+            <a:ext cx="2152650" cy="2971800"/>
+          </a:xfrm>
+          <a:prstGeom prst="rect">
+            <a:avLst/>
+          </a:prstGeom>
+          <a:noFill/>
+          <a:extLst>
+            <a:ext uri="{909E8E84-426E-40DD-AFC4-6F175D3DCCD1}">
+              <a14:hiddenFill xmlns:a14="http://schemas.microsoft.com/office/drawing/2010/main">
+                <a:solidFill>
+                  <a:srgbClr val="FFFFFF"/>
+                </a:solidFill>
+              </a14:hiddenFill>
+            </a:ext>
+          </a:extLst>
+        </p:spPr>
+      </p:pic>
+      <p:sp>
+        <p:nvSpPr>
+          <p:cNvPr id="5" name="CuadroTexto 4"/>
+          <p:cNvSpPr txBox="1"/>
+          <p:nvPr/>
+        </p:nvSpPr>
+        <p:spPr>
+          <a:xfrm>
+            <a:off x="2480899" y="1593668"/>
+            <a:ext cx="6871063" cy="2308324"/>
+          </a:xfrm>
+          <a:prstGeom prst="rect">
+            <a:avLst/>
+          </a:prstGeom>
+          <a:noFill/>
+        </p:spPr>
+        <p:txBody>
+          <a:bodyPr wrap="square" rtlCol="0">
+            <a:spAutoFit/>
+          </a:bodyPr>
           <a:lstStyle/>
           <a:p>
             <a:r>
-              <a:rPr lang="es-CL" b="1" dirty="0" err="1" smtClean="0"/>
-              <a:t>Travis</a:t>
-            </a:r>
-            <a:r>
-              <a:rPr lang="es-CL" b="1" dirty="0" smtClean="0"/>
-              <a:t> CI</a:t>
-            </a:r>
-          </a:p>
-          <a:p>
-            <a:r>
-              <a:rPr lang="es-CL" b="1" dirty="0" smtClean="0"/>
-              <a:t>sistema distribuido de integración continua libre integrado con </a:t>
-            </a:r>
-            <a:r>
-              <a:rPr lang="es-CL" b="1" dirty="0" err="1" smtClean="0"/>
-              <a:t>Github</a:t>
-            </a:r>
-            <a:endParaRPr lang="es-CL" b="1" dirty="0" smtClean="0"/>
-          </a:p>
-          <a:p>
-            <a:r>
-              <a:rPr lang="es-CL" dirty="0" err="1" smtClean="0">
-                <a:hlinkClick r:id="rId2" tooltip="Puppet (software)"/>
-              </a:rPr>
-              <a:t>Puppet</a:t>
-            </a:r>
-            <a:r>
-              <a:rPr lang="es-CL" dirty="0" smtClean="0">
-                <a:hlinkClick r:id="rId2" tooltip="Puppet (software)"/>
-              </a:rPr>
-              <a:t> (software)</a:t>
-            </a:r>
+              <a:rPr lang="es-CL" dirty="0" smtClean="0"/>
+              <a:t>Es un </a:t>
+            </a:r>
+            <a:r>
+              <a:rPr lang="es-CL" dirty="0"/>
+              <a:t>servidor de integración </a:t>
+            </a:r>
+            <a:r>
+              <a:rPr lang="es-CL" dirty="0" smtClean="0"/>
+              <a:t>continua , gratuito</a:t>
+            </a:r>
+            <a:r>
+              <a:rPr lang="es-CL" dirty="0"/>
+              <a:t>, open-</a:t>
+            </a:r>
+            <a:r>
+              <a:rPr lang="es-CL" dirty="0" err="1"/>
+              <a:t>source</a:t>
+            </a:r>
+            <a:r>
+              <a:rPr lang="es-CL" dirty="0"/>
+              <a:t> y actualmente uno de los más empleados para esta función</a:t>
+            </a:r>
+            <a:r>
+              <a:rPr lang="es-CL" dirty="0" smtClean="0"/>
+              <a:t>.</a:t>
+            </a:r>
+          </a:p>
+          <a:p>
             <a:endParaRPr lang="es-CL" dirty="0" smtClean="0"/>
           </a:p>
           <a:p>
             <a:r>
-              <a:rPr lang="es-CL" dirty="0" err="1" smtClean="0">
-                <a:hlinkClick r:id="rId3" tooltip="Ansible (software)"/>
-              </a:rPr>
-              <a:t>Ansible</a:t>
-            </a:r>
-            <a:r>
-              <a:rPr lang="es-CL" dirty="0" smtClean="0">
-                <a:hlinkClick r:id="rId3" tooltip="Ansible (software)"/>
-              </a:rPr>
-              <a:t> (software)</a:t>
-            </a:r>
-            <a:endParaRPr lang="es-CL" dirty="0" smtClean="0"/>
-          </a:p>
-          <a:p>
-            <a:r>
-              <a:rPr lang="es-CL" dirty="0" smtClean="0">
-                <a:hlinkClick r:id="rId4" tooltip="Chef (software) (aún no redactado)"/>
-              </a:rPr>
-              <a:t>Chef (software)</a:t>
-            </a:r>
-            <a:endParaRPr lang="es-CL" dirty="0" smtClean="0"/>
-          </a:p>
-          <a:p>
-            <a:r>
-              <a:rPr lang="es-CL" dirty="0" err="1" smtClean="0">
-                <a:hlinkClick r:id="rId5"/>
-              </a:rPr>
-              <a:t>Docker</a:t>
-            </a:r>
-            <a:r>
-              <a:rPr lang="es-CL" dirty="0" smtClean="0">
-                <a:hlinkClick r:id="rId5"/>
-              </a:rPr>
-              <a:t> (software)</a:t>
-            </a:r>
-            <a:endParaRPr lang="es-CL" dirty="0" smtClean="0"/>
-          </a:p>
-          <a:p>
-            <a:r>
-              <a:rPr lang="es-CL" dirty="0" err="1" smtClean="0">
-                <a:hlinkClick r:id="rId6" tooltip="Clarive"/>
-              </a:rPr>
-              <a:t>Clarive</a:t>
-            </a:r>
-            <a:r>
-              <a:rPr lang="es-CL" dirty="0" smtClean="0">
-                <a:hlinkClick r:id="rId6" tooltip="Clarive"/>
-              </a:rPr>
-              <a:t> (software)</a:t>
-            </a:r>
-            <a:endParaRPr lang="es-CL" dirty="0" smtClean="0"/>
-          </a:p>
-          <a:p>
-            <a:endParaRPr lang="es-CL" b="1" dirty="0" smtClean="0"/>
-          </a:p>
-          <a:p>
-            <a:endParaRPr lang="es-CL" dirty="0"/>
+              <a:rPr lang="es-CL" dirty="0"/>
+              <a:t>P</a:t>
+            </a:r>
+            <a:r>
+              <a:rPr lang="es-CL" dirty="0" smtClean="0"/>
+              <a:t>roviene </a:t>
+            </a:r>
+            <a:r>
+              <a:rPr lang="es-CL" dirty="0"/>
+              <a:t>de otra similar llamada Hudson, ideada por </a:t>
+            </a:r>
+            <a:r>
+              <a:rPr lang="es-CL" dirty="0" err="1"/>
+              <a:t>Kohsuke</a:t>
+            </a:r>
+            <a:r>
+              <a:rPr lang="es-CL" dirty="0"/>
+              <a:t> </a:t>
+            </a:r>
+            <a:r>
+              <a:rPr lang="es-CL" dirty="0" err="1"/>
+              <a:t>Kawaguchi</a:t>
+            </a:r>
+            <a:r>
+              <a:rPr lang="es-CL" dirty="0"/>
+              <a:t>, que trabajaba en </a:t>
+            </a:r>
+            <a:r>
+              <a:rPr lang="es-CL" dirty="0" err="1"/>
+              <a:t>Sun</a:t>
+            </a:r>
+            <a:r>
+              <a:rPr lang="es-CL" dirty="0"/>
+              <a:t>. Unos años después de que Oracle comprara </a:t>
+            </a:r>
+            <a:r>
+              <a:rPr lang="es-CL" dirty="0" err="1"/>
+              <a:t>Sun</a:t>
+            </a:r>
+            <a:r>
+              <a:rPr lang="es-CL" dirty="0"/>
+              <a:t>, la comunidad de Hudson decidió renombrar el proyecto a Jenkins</a:t>
+            </a:r>
+            <a:endParaRPr lang="en-US" dirty="0"/>
           </a:p>
         </p:txBody>
       </p:sp>
     </p:spTree>
+    <p:extLst>
+      <p:ext uri="{BB962C8B-B14F-4D97-AF65-F5344CB8AC3E}">
+        <p14:creationId xmlns:p14="http://schemas.microsoft.com/office/powerpoint/2010/main" val="3173230775"/>
+      </p:ext>
+    </p:extLst>
   </p:cSld>
   <p:clrMapOvr>
     <a:masterClrMapping/>
   </p:clrMapOvr>
+  <p:timing>
+    <p:tnLst>
+      <p:par>
+        <p:cTn id="1" dur="indefinite" restart="never" nodeType="tmRoot"/>
+      </p:par>
+    </p:tnLst>
+  </p:timing>
+</p:sld>
+</file>
+
+<file path=ppt/slides/slide18.xml><?xml version="1.0" encoding="utf-8"?>
+<p:sld xmlns:a="http://schemas.openxmlformats.org/drawingml/2006/main" xmlns:r="http://schemas.openxmlformats.org/officeDocument/2006/relationships" xmlns:p="http://schemas.openxmlformats.org/presentationml/2006/main">
+  <p:cSld>
+    <p:spTree>
+      <p:nvGrpSpPr>
+        <p:cNvPr id="1" name=""/>
+        <p:cNvGrpSpPr/>
+        <p:nvPr/>
+      </p:nvGrpSpPr>
+      <p:grpSpPr>
+        <a:xfrm>
+          <a:off x="0" y="0"/>
+          <a:ext cx="0" cy="0"/>
+          <a:chOff x="0" y="0"/>
+          <a:chExt cx="0" cy="0"/>
+        </a:xfrm>
+      </p:grpSpPr>
+      <p:sp>
+        <p:nvSpPr>
+          <p:cNvPr id="2" name="Título 1"/>
+          <p:cNvSpPr>
+            <a:spLocks noGrp="1"/>
+          </p:cNvSpPr>
+          <p:nvPr>
+            <p:ph type="title"/>
+          </p:nvPr>
+        </p:nvSpPr>
+        <p:spPr/>
+        <p:txBody>
+          <a:bodyPr/>
+          <a:lstStyle/>
+          <a:p>
+            <a:r>
+              <a:rPr lang="es-CL" dirty="0" smtClean="0"/>
+              <a:t>Jenkins</a:t>
+            </a:r>
+            <a:endParaRPr lang="en-US" dirty="0"/>
+          </a:p>
+        </p:txBody>
+      </p:sp>
+      <p:sp>
+        <p:nvSpPr>
+          <p:cNvPr id="3" name="Marcador de contenido 2"/>
+          <p:cNvSpPr>
+            <a:spLocks noGrp="1"/>
+          </p:cNvSpPr>
+          <p:nvPr>
+            <p:ph idx="1"/>
+          </p:nvPr>
+        </p:nvSpPr>
+        <p:spPr/>
+        <p:txBody>
+          <a:bodyPr/>
+          <a:lstStyle/>
+          <a:p>
+            <a:r>
+              <a:rPr lang="es-CL" dirty="0" smtClean="0"/>
+              <a:t>Tareas</a:t>
+            </a:r>
+          </a:p>
+          <a:p>
+            <a:pPr lvl="1"/>
+            <a:r>
+              <a:rPr lang="es-CL" dirty="0" smtClean="0"/>
+              <a:t>Comprobar en el repositorio control de versión cada cierto tiempo.</a:t>
+            </a:r>
+          </a:p>
+          <a:p>
+            <a:pPr lvl="1"/>
+            <a:r>
+              <a:rPr lang="es-CL" dirty="0" smtClean="0"/>
+              <a:t>Si existe cambio ejecuta plan de pruebas</a:t>
+            </a:r>
+          </a:p>
+          <a:p>
+            <a:pPr lvl="1"/>
+            <a:r>
+              <a:rPr lang="es-CL" dirty="0"/>
+              <a:t>Si el resultado no es el esperado o hay algún error, Jenkins notificará al </a:t>
+            </a:r>
+            <a:r>
+              <a:rPr lang="es-CL" dirty="0" smtClean="0"/>
+              <a:t>desarrollador</a:t>
+            </a:r>
+            <a:r>
+              <a:rPr lang="es-CL" dirty="0"/>
+              <a:t>, al equipo de QA, por email o cualquier otro </a:t>
+            </a:r>
+            <a:r>
+              <a:rPr lang="es-CL" dirty="0" smtClean="0"/>
+              <a:t>medio.</a:t>
+            </a:r>
+          </a:p>
+          <a:p>
+            <a:pPr lvl="1"/>
+            <a:r>
+              <a:rPr lang="es-CL" dirty="0" smtClean="0"/>
+              <a:t>Se puede </a:t>
+            </a:r>
+            <a:r>
+              <a:rPr lang="es-CL" dirty="0"/>
+              <a:t>indicar que se lancen métricas de calidad y visualizar los resultados dentro de la misma herramienta</a:t>
+            </a:r>
+            <a:endParaRPr lang="es-CL" dirty="0" smtClean="0"/>
+          </a:p>
+          <a:p>
+            <a:pPr marL="457200" lvl="1" indent="0">
+              <a:buNone/>
+            </a:pPr>
+            <a:endParaRPr lang="es-CL" dirty="0"/>
+          </a:p>
+        </p:txBody>
+      </p:sp>
+      <p:pic>
+        <p:nvPicPr>
+          <p:cNvPr id="4" name="Picture 2" descr="Resultado de imagen para Jenkins"/>
+          <p:cNvPicPr>
+            <a:picLocks noGrp="1" noChangeAspect="1" noChangeArrowheads="1"/>
+          </p:cNvPicPr>
+          <p:nvPr>
+            <p:ph idx="1"/>
+          </p:nvPr>
+        </p:nvPicPr>
+        <p:blipFill>
+          <a:blip r:embed="rId2">
+            <a:extLst>
+              <a:ext uri="{28A0092B-C50C-407E-A947-70E740481C1C}">
+                <a14:useLocalDpi xmlns:a14="http://schemas.microsoft.com/office/drawing/2010/main" val="0"/>
+              </a:ext>
+            </a:extLst>
+          </a:blip>
+          <a:stretch>
+            <a:fillRect/>
+          </a:stretch>
+        </p:blipFill>
+        <p:spPr bwMode="auto">
+          <a:xfrm>
+            <a:off x="9560967" y="107768"/>
+            <a:ext cx="2152650" cy="2971800"/>
+          </a:xfrm>
+          <a:prstGeom prst="rect">
+            <a:avLst/>
+          </a:prstGeom>
+          <a:noFill/>
+          <a:extLst>
+            <a:ext uri="{909E8E84-426E-40DD-AFC4-6F175D3DCCD1}">
+              <a14:hiddenFill xmlns:a14="http://schemas.microsoft.com/office/drawing/2010/main">
+                <a:solidFill>
+                  <a:srgbClr val="FFFFFF"/>
+                </a:solidFill>
+              </a14:hiddenFill>
+            </a:ext>
+          </a:extLst>
+        </p:spPr>
+      </p:pic>
+    </p:spTree>
+    <p:extLst>
+      <p:ext uri="{BB962C8B-B14F-4D97-AF65-F5344CB8AC3E}">
+        <p14:creationId xmlns:p14="http://schemas.microsoft.com/office/powerpoint/2010/main" val="1867100364"/>
+      </p:ext>
+    </p:extLst>
+  </p:cSld>
+  <p:clrMapOvr>
+    <a:masterClrMapping/>
+  </p:clrMapOvr>
+  <p:timing>
+    <p:tnLst>
+      <p:par>
+        <p:cTn id="1" dur="indefinite" restart="never" nodeType="tmRoot"/>
+      </p:par>
+    </p:tnLst>
+  </p:timing>
+</p:sld>
+</file>
+
+<file path=ppt/slides/slide19.xml><?xml version="1.0" encoding="utf-8"?>
+<p:sld xmlns:a="http://schemas.openxmlformats.org/drawingml/2006/main" xmlns:r="http://schemas.openxmlformats.org/officeDocument/2006/relationships" xmlns:p="http://schemas.openxmlformats.org/presentationml/2006/main">
+  <p:cSld>
+    <p:spTree>
+      <p:nvGrpSpPr>
+        <p:cNvPr id="1" name=""/>
+        <p:cNvGrpSpPr/>
+        <p:nvPr/>
+      </p:nvGrpSpPr>
+      <p:grpSpPr>
+        <a:xfrm>
+          <a:off x="0" y="0"/>
+          <a:ext cx="0" cy="0"/>
+          <a:chOff x="0" y="0"/>
+          <a:chExt cx="0" cy="0"/>
+        </a:xfrm>
+      </p:grpSpPr>
+      <p:sp>
+        <p:nvSpPr>
+          <p:cNvPr id="2" name="Título 1"/>
+          <p:cNvSpPr>
+            <a:spLocks noGrp="1"/>
+          </p:cNvSpPr>
+          <p:nvPr>
+            <p:ph type="title"/>
+          </p:nvPr>
+        </p:nvSpPr>
+        <p:spPr/>
+        <p:txBody>
+          <a:bodyPr/>
+          <a:lstStyle/>
+          <a:p>
+            <a:r>
+              <a:rPr lang="es-CL" dirty="0" smtClean="0"/>
+              <a:t>Jenkins</a:t>
+            </a:r>
+            <a:endParaRPr lang="en-US" dirty="0"/>
+          </a:p>
+        </p:txBody>
+      </p:sp>
+      <p:pic>
+        <p:nvPicPr>
+          <p:cNvPr id="3074" name="Picture 2" descr="http://www.javiergarzas.com/wp-content/uploads/2014/05/jenkins.png"/>
+          <p:cNvPicPr>
+            <a:picLocks noGrp="1" noChangeAspect="1" noChangeArrowheads="1"/>
+          </p:cNvPicPr>
+          <p:nvPr>
+            <p:ph idx="1"/>
+          </p:nvPr>
+        </p:nvPicPr>
+        <p:blipFill>
+          <a:blip r:embed="rId2">
+            <a:extLst>
+              <a:ext uri="{28A0092B-C50C-407E-A947-70E740481C1C}">
+                <a14:useLocalDpi xmlns:a14="http://schemas.microsoft.com/office/drawing/2010/main" val="0"/>
+              </a:ext>
+            </a:extLst>
+          </a:blip>
+          <a:srcRect/>
+          <a:stretch>
+            <a:fillRect/>
+          </a:stretch>
+        </p:blipFill>
+        <p:spPr bwMode="auto">
+          <a:xfrm>
+            <a:off x="973131" y="2153195"/>
+            <a:ext cx="8802930" cy="4221479"/>
+          </a:xfrm>
+          <a:prstGeom prst="rect">
+            <a:avLst/>
+          </a:prstGeom>
+          <a:noFill/>
+          <a:extLst>
+            <a:ext uri="{909E8E84-426E-40DD-AFC4-6F175D3DCCD1}">
+              <a14:hiddenFill xmlns:a14="http://schemas.microsoft.com/office/drawing/2010/main">
+                <a:solidFill>
+                  <a:srgbClr val="FFFFFF"/>
+                </a:solidFill>
+              </a14:hiddenFill>
+            </a:ext>
+          </a:extLst>
+        </p:spPr>
+      </p:pic>
+      <p:pic>
+        <p:nvPicPr>
+          <p:cNvPr id="5" name="Picture 2" descr="Resultado de imagen para Jenkins"/>
+          <p:cNvPicPr>
+            <a:picLocks noChangeAspect="1" noChangeArrowheads="1"/>
+          </p:cNvPicPr>
+          <p:nvPr/>
+        </p:nvPicPr>
+        <p:blipFill>
+          <a:blip r:embed="rId3">
+            <a:extLst>
+              <a:ext uri="{28A0092B-C50C-407E-A947-70E740481C1C}">
+                <a14:useLocalDpi xmlns:a14="http://schemas.microsoft.com/office/drawing/2010/main" val="0"/>
+              </a:ext>
+            </a:extLst>
+          </a:blip>
+          <a:stretch>
+            <a:fillRect/>
+          </a:stretch>
+        </p:blipFill>
+        <p:spPr bwMode="auto">
+          <a:xfrm>
+            <a:off x="9560967" y="107768"/>
+            <a:ext cx="2152650" cy="2971800"/>
+          </a:xfrm>
+          <a:prstGeom prst="rect">
+            <a:avLst/>
+          </a:prstGeom>
+          <a:noFill/>
+          <a:extLst>
+            <a:ext uri="{909E8E84-426E-40DD-AFC4-6F175D3DCCD1}">
+              <a14:hiddenFill xmlns:a14="http://schemas.microsoft.com/office/drawing/2010/main">
+                <a:solidFill>
+                  <a:srgbClr val="FFFFFF"/>
+                </a:solidFill>
+              </a14:hiddenFill>
+            </a:ext>
+          </a:extLst>
+        </p:spPr>
+      </p:pic>
+    </p:spTree>
+    <p:extLst>
+      <p:ext uri="{BB962C8B-B14F-4D97-AF65-F5344CB8AC3E}">
+        <p14:creationId xmlns:p14="http://schemas.microsoft.com/office/powerpoint/2010/main" val="3629485053"/>
+      </p:ext>
+    </p:extLst>
+  </p:cSld>
+  <p:clrMapOvr>
+    <a:masterClrMapping/>
+  </p:clrMapOvr>
+  <p:timing>
+    <p:tnLst>
+      <p:par>
+        <p:cTn id="1" dur="indefinite" restart="never" nodeType="tmRoot"/>
+      </p:par>
+    </p:tnLst>
+  </p:timing>
 </p:sld>
 </file>
 
@@ -8529,10 +9354,6 @@
               <a:rPr lang="es-CL" dirty="0" err="1" smtClean="0"/>
               <a:t>Frontend</a:t>
             </a:r>
-            <a:r>
-              <a:rPr lang="es-CL" dirty="0" smtClean="0"/>
-              <a:t>	</a:t>
-            </a:r>
             <a:endParaRPr lang="en-US" dirty="0"/>
           </a:p>
         </p:txBody>
@@ -8553,54 +9374,98 @@
           <a:lstStyle/>
           <a:p>
             <a:r>
+              <a:rPr lang="es-CL" dirty="0"/>
+              <a:t>Son todas aquellas tecnologías que corren del lado del </a:t>
+            </a:r>
+            <a:r>
               <a:rPr lang="es-CL" dirty="0" smtClean="0"/>
-              <a:t>Son </a:t>
+              <a:t>cliente</a:t>
+            </a:r>
+          </a:p>
+          <a:p>
+            <a:r>
+              <a:rPr lang="es-CL" dirty="0" smtClean="0"/>
+              <a:t>Se </a:t>
             </a:r>
             <a:r>
               <a:rPr lang="es-CL" dirty="0"/>
-              <a:t>todas aquellas tecnologías que corren del lado del cliente, es decir, todas </a:t>
+              <a:t>encarga de estilizar la página de tal manera que la página pueda quedar </a:t>
             </a:r>
             <a:r>
               <a:rPr lang="es-CL" dirty="0" smtClean="0"/>
-              <a:t>las </a:t>
+              <a:t>cómoda </a:t>
             </a:r>
             <a:r>
               <a:rPr lang="es-CL" dirty="0"/>
-              <a:t>corren del lado del navegador </a:t>
+              <a:t>para la persona que la </a:t>
             </a:r>
             <a:r>
               <a:rPr lang="es-CL" dirty="0" smtClean="0"/>
-              <a:t>web.</a:t>
-            </a:r>
-          </a:p>
-          <a:p>
-            <a:endParaRPr lang="es-CL" dirty="0"/>
+              <a:t>ve.</a:t>
+            </a:r>
           </a:p>
           <a:p>
             <a:r>
               <a:rPr lang="es-CL" dirty="0" smtClean="0"/>
-              <a:t>Generalizándose en 3  lenguajes</a:t>
-            </a:r>
-          </a:p>
-          <a:p>
-            <a:pPr lvl="1"/>
+              <a:t>Se deben </a:t>
+            </a:r>
+            <a:r>
+              <a:rPr lang="es-CL" dirty="0"/>
+              <a:t>de conocer </a:t>
+            </a:r>
             <a:r>
               <a:rPr lang="es-CL" dirty="0" smtClean="0"/>
-              <a:t>HTML</a:t>
-            </a:r>
-          </a:p>
-          <a:p>
-            <a:pPr lvl="1"/>
+              <a:t>técnicas </a:t>
+            </a:r>
+            <a:r>
+              <a:rPr lang="es-CL" dirty="0"/>
+              <a:t>de </a:t>
+            </a:r>
+            <a:r>
+              <a:rPr lang="es-CL" dirty="0" err="1"/>
+              <a:t>User</a:t>
+            </a:r>
+            <a:r>
+              <a:rPr lang="es-CL" dirty="0"/>
+              <a:t> </a:t>
+            </a:r>
+            <a:r>
+              <a:rPr lang="es-CL" dirty="0" err="1"/>
+              <a:t>Experience</a:t>
+            </a:r>
+            <a:r>
+              <a:rPr lang="es-CL" dirty="0"/>
+              <a:t> para dar una </a:t>
+            </a:r>
             <a:r>
               <a:rPr lang="es-CL" dirty="0" smtClean="0"/>
-              <a:t>CSS</a:t>
-            </a:r>
-          </a:p>
-          <a:p>
-            <a:pPr lvl="1"/>
+              <a:t>sensación de comodidad </a:t>
+            </a:r>
+            <a:r>
+              <a:rPr lang="es-CL" dirty="0"/>
+              <a:t>a la persona que visita la </a:t>
+            </a:r>
             <a:r>
               <a:rPr lang="es-CL" dirty="0" smtClean="0"/>
-              <a:t>JavaScript</a:t>
+              <a:t>página</a:t>
+            </a:r>
+          </a:p>
+          <a:p>
+            <a:r>
+              <a:rPr lang="es-CL" dirty="0"/>
+              <a:t>D</a:t>
+            </a:r>
+            <a:r>
+              <a:rPr lang="es-CL" dirty="0" smtClean="0"/>
+              <a:t>ebe </a:t>
+            </a:r>
+            <a:r>
+              <a:rPr lang="es-CL" dirty="0"/>
+              <a:t>de saber de diseño de Interacción para que sepa colocar las cosas de tal manera que el usuario las pueda ubicar de manera rápida y </a:t>
+            </a:r>
+            <a:r>
+              <a:rPr lang="es-CL" dirty="0" smtClean="0"/>
+              <a:t>cómoda</a:t>
             </a:r>
             <a:endParaRPr lang="en-US" dirty="0"/>
           </a:p>
@@ -8609,13 +9474,20 @@
     </p:spTree>
     <p:extLst>
       <p:ext uri="{BB962C8B-B14F-4D97-AF65-F5344CB8AC3E}">
-        <p14:creationId xmlns:p14="http://schemas.microsoft.com/office/powerpoint/2010/main" xmlns="" val="3506725205"/>
+        <p14:creationId xmlns:p14="http://schemas.microsoft.com/office/powerpoint/2010/main" val="3093633255"/>
       </p:ext>
     </p:extLst>
   </p:cSld>
   <p:clrMapOvr>
     <a:masterClrMapping/>
   </p:clrMapOvr>
+  <p:timing>
+    <p:tnLst>
+      <p:par>
+        <p:cTn id="1" dur="indefinite" restart="never" nodeType="tmRoot"/>
+      </p:par>
+    </p:tnLst>
+  </p:timing>
 </p:sld>
 </file>
 
@@ -8653,7 +9525,11 @@
           <a:p>
             <a:r>
               <a:rPr lang="es-CL" dirty="0" err="1" smtClean="0"/>
-              <a:t>Fontend</a:t>
+              <a:t>Frontend</a:t>
+            </a:r>
+            <a:r>
+              <a:rPr lang="es-CL" dirty="0" smtClean="0"/>
+              <a:t>	</a:t>
             </a:r>
             <a:endParaRPr lang="en-US" dirty="0"/>
           </a:p>
@@ -8676,87 +9552,32 @@
           <a:p>
             <a:r>
               <a:rPr lang="es-CL" dirty="0" smtClean="0"/>
-              <a:t>Se </a:t>
-            </a:r>
-            <a:r>
-              <a:rPr lang="es-CL" dirty="0"/>
-              <a:t>encarga de estilizar la página de tal manera que la página pueda quedar </a:t>
+              <a:t>Generalizándose </a:t>
             </a:r>
             <a:r>
               <a:rPr lang="es-CL" dirty="0" smtClean="0"/>
-              <a:t>cómoda </a:t>
-            </a:r>
-            <a:r>
-              <a:rPr lang="es-CL" dirty="0"/>
-              <a:t>para la persona que la </a:t>
-            </a:r>
+              <a:t>en 3  lenguajes</a:t>
+            </a:r>
+          </a:p>
+          <a:p>
+            <a:pPr lvl="1"/>
             <a:r>
               <a:rPr lang="es-CL" dirty="0" smtClean="0"/>
-              <a:t>ve.</a:t>
-            </a:r>
-          </a:p>
-          <a:p>
+              <a:t>HTML</a:t>
+            </a:r>
+          </a:p>
+          <a:p>
+            <a:pPr lvl="1"/>
             <a:r>
               <a:rPr lang="es-CL" dirty="0" smtClean="0"/>
-              <a:t>Se deben </a:t>
-            </a:r>
-            <a:r>
-              <a:rPr lang="es-CL" dirty="0"/>
-              <a:t>de conocer </a:t>
-            </a:r>
+              <a:t>CSS</a:t>
+            </a:r>
+          </a:p>
+          <a:p>
+            <a:pPr lvl="1"/>
             <a:r>
               <a:rPr lang="es-CL" dirty="0" smtClean="0"/>
-              <a:t>técnicas </a:t>
-            </a:r>
-            <a:r>
-              <a:rPr lang="es-CL" dirty="0"/>
-              <a:t>de </a:t>
-            </a:r>
-            <a:r>
-              <a:rPr lang="es-CL" dirty="0" err="1"/>
-              <a:t>User</a:t>
-            </a:r>
-            <a:r>
-              <a:rPr lang="es-CL" dirty="0"/>
-              <a:t> </a:t>
-            </a:r>
-            <a:r>
-              <a:rPr lang="es-CL" dirty="0" err="1"/>
-              <a:t>Experience</a:t>
-            </a:r>
-            <a:r>
-              <a:rPr lang="es-CL" dirty="0"/>
-              <a:t> para dar una experiencia de usuario </a:t>
-            </a:r>
-            <a:r>
-              <a:rPr lang="es-CL" dirty="0" smtClean="0"/>
-              <a:t>cómoda </a:t>
-            </a:r>
-            <a:r>
-              <a:rPr lang="es-CL" dirty="0"/>
-              <a:t>a la persona que visita la </a:t>
-            </a:r>
-            <a:r>
-              <a:rPr lang="es-CL" dirty="0" smtClean="0"/>
-              <a:t>página</a:t>
-            </a:r>
-          </a:p>
-          <a:p>
-            <a:r>
-              <a:rPr lang="es-CL" dirty="0"/>
-              <a:t>D</a:t>
-            </a:r>
-            <a:r>
-              <a:rPr lang="es-CL" dirty="0" smtClean="0"/>
-              <a:t>ebe </a:t>
-            </a:r>
-            <a:r>
-              <a:rPr lang="es-CL" dirty="0"/>
-              <a:t>de saber de diseño de Interacción para que sepa colocar las cosas de tal manera que el usuario las pueda ubicar de manera rápida y </a:t>
-            </a:r>
-            <a:r>
-              <a:rPr lang="es-CL" dirty="0" smtClean="0"/>
-              <a:t>cómoda</a:t>
+              <a:t>JavaScript</a:t>
             </a:r>
             <a:endParaRPr lang="en-US" dirty="0"/>
           </a:p>
@@ -8765,13 +9586,20 @@
     </p:spTree>
     <p:extLst>
       <p:ext uri="{BB962C8B-B14F-4D97-AF65-F5344CB8AC3E}">
-        <p14:creationId xmlns:p14="http://schemas.microsoft.com/office/powerpoint/2010/main" xmlns="" val="3093633255"/>
+        <p14:creationId xmlns:p14="http://schemas.microsoft.com/office/powerpoint/2010/main" val="3506725205"/>
       </p:ext>
     </p:extLst>
   </p:cSld>
   <p:clrMapOvr>
     <a:masterClrMapping/>
   </p:clrMapOvr>
+  <p:timing>
+    <p:tnLst>
+      <p:par>
+        <p:cTn id="1" dur="indefinite" restart="never" nodeType="tmRoot"/>
+      </p:par>
+    </p:tnLst>
+  </p:timing>
 </p:sld>
 </file>
 
@@ -8794,7 +9622,7 @@
       </p:grpSpPr>
       <p:sp>
         <p:nvSpPr>
-          <p:cNvPr id="2" name="Título 1"/>
+          <p:cNvPr id="2" name="1 Título"/>
           <p:cNvSpPr>
             <a:spLocks noGrp="1"/>
           </p:cNvSpPr>
@@ -8809,15 +9637,15 @@
           <a:p>
             <a:r>
               <a:rPr lang="es-CL" dirty="0" err="1" smtClean="0"/>
-              <a:t>Frontend</a:t>
-            </a:r>
-            <a:endParaRPr lang="en-US" dirty="0"/>
-          </a:p>
-        </p:txBody>
-      </p:sp>
-      <p:sp>
-        <p:nvSpPr>
-          <p:cNvPr id="3" name="Marcador de contenido 2"/>
+              <a:t>Backend</a:t>
+            </a:r>
+            <a:endParaRPr lang="es-CL" dirty="0"/>
+          </a:p>
+        </p:txBody>
+      </p:sp>
+      <p:sp>
+        <p:nvSpPr>
+          <p:cNvPr id="3" name="2 Marcador de contenido"/>
           <p:cNvSpPr>
             <a:spLocks noGrp="1"/>
           </p:cNvSpPr>
@@ -8831,57 +9659,108 @@
           <a:lstStyle/>
           <a:p>
             <a:r>
+              <a:rPr lang="es-CL" dirty="0"/>
+              <a:t>Es el encargado implementar la capa de datos trabajando con lenguajes y gestores base de datos como "PHP, ASP, JAVA" y "</a:t>
+            </a:r>
+            <a:r>
+              <a:rPr lang="es-CL" dirty="0" err="1"/>
+              <a:t>MySQL</a:t>
+            </a:r>
+            <a:r>
+              <a:rPr lang="es-CL" dirty="0"/>
+              <a:t>, </a:t>
+            </a:r>
+            <a:r>
+              <a:rPr lang="es-CL" dirty="0" err="1"/>
+              <a:t>Postgres</a:t>
+            </a:r>
+            <a:r>
+              <a:rPr lang="es-CL" dirty="0"/>
+              <a:t>, SQL Server, </a:t>
+            </a:r>
+            <a:r>
+              <a:rPr lang="es-CL" dirty="0" err="1"/>
+              <a:t>MongoDB</a:t>
+            </a:r>
+            <a:r>
+              <a:rPr lang="es-CL" dirty="0"/>
+              <a:t>", respectivamente. </a:t>
+            </a:r>
+            <a:r>
+              <a:rPr lang="es-CL" dirty="0" err="1"/>
+              <a:t>Frameworks</a:t>
+            </a:r>
+            <a:r>
+              <a:rPr lang="es-CL" dirty="0"/>
+              <a:t> como Django y Ruby </a:t>
+            </a:r>
+            <a:r>
+              <a:rPr lang="es-CL" dirty="0" err="1"/>
+              <a:t>on</a:t>
+            </a:r>
+            <a:r>
+              <a:rPr lang="es-CL" dirty="0"/>
+              <a:t> </a:t>
+            </a:r>
+            <a:r>
+              <a:rPr lang="es-CL" dirty="0" err="1"/>
+              <a:t>Rails</a:t>
+            </a:r>
+            <a:r>
+              <a:rPr lang="es-CL" dirty="0"/>
+              <a:t> y con interpretes como </a:t>
+            </a:r>
+            <a:r>
+              <a:rPr lang="es-CL" dirty="0" err="1"/>
+              <a:t>NodeJS</a:t>
+            </a:r>
+            <a:r>
+              <a:rPr lang="es-CL" dirty="0"/>
+              <a:t>, que permiten consultas a base de datos remotos, en los que se realizan envío de formularios, inicios de sesión, registros, etc. y se transmite la </a:t>
+            </a:r>
+            <a:r>
               <a:rPr lang="es-CL" dirty="0" smtClean="0"/>
-              <a:t>Framework Populares en GitHub</a:t>
-            </a:r>
-          </a:p>
-          <a:p>
-            <a:pPr lvl="1"/>
+              <a:t>información a </a:t>
+            </a:r>
             <a:r>
               <a:rPr lang="es-CL" dirty="0" err="1" smtClean="0"/>
-              <a:t>React</a:t>
+              <a:t>traves</a:t>
+            </a:r>
+            <a:r>
+              <a:rPr lang="es-CL" dirty="0" smtClean="0"/>
+              <a:t> </a:t>
+            </a:r>
+            <a:r>
+              <a:rPr lang="es-CL" dirty="0"/>
+              <a:t>del </a:t>
+            </a:r>
+            <a:r>
+              <a:rPr lang="es-CL" dirty="0" smtClean="0"/>
+              <a:t>código </a:t>
+            </a:r>
+            <a:r>
+              <a:rPr lang="es-CL" dirty="0"/>
+              <a:t>realizado por el </a:t>
+            </a:r>
+            <a:r>
+              <a:rPr lang="es-CL" dirty="0" err="1"/>
+              <a:t>frontend</a:t>
+            </a:r>
+            <a:r>
+              <a:rPr lang="es-CL" dirty="0"/>
+              <a:t> al lado del cliente. luego de ser procesada. </a:t>
             </a:r>
             <a:endParaRPr lang="es-CL" dirty="0" smtClean="0"/>
           </a:p>
           <a:p>
-            <a:pPr lvl="1"/>
-            <a:r>
-              <a:rPr lang="es-CL" dirty="0" err="1" smtClean="0"/>
-              <a:t>Vue</a:t>
-            </a:r>
+            <a:pPr>
+              <a:buNone/>
+            </a:pPr>
             <a:endParaRPr lang="es-CL" dirty="0" smtClean="0"/>
           </a:p>
-          <a:p>
-            <a:pPr lvl="1"/>
-            <a:r>
-              <a:rPr lang="es-CL" dirty="0" smtClean="0"/>
-              <a:t>Angular.js</a:t>
-            </a:r>
-          </a:p>
-          <a:p>
-            <a:pPr lvl="1"/>
-            <a:r>
-              <a:rPr lang="es-CL" dirty="0" err="1" smtClean="0"/>
-              <a:t>Backbone</a:t>
-            </a:r>
-            <a:endParaRPr lang="es-CL" dirty="0" smtClean="0"/>
-          </a:p>
-          <a:p>
-            <a:pPr lvl="1"/>
-            <a:r>
-              <a:rPr lang="es-CL" dirty="0" err="1" smtClean="0"/>
-              <a:t>Todomvc</a:t>
-            </a:r>
-            <a:endParaRPr lang="en-US" dirty="0"/>
-          </a:p>
         </p:txBody>
       </p:sp>
     </p:spTree>
-    <p:extLst>
-      <p:ext uri="{BB962C8B-B14F-4D97-AF65-F5344CB8AC3E}">
-        <p14:creationId xmlns:p14="http://schemas.microsoft.com/office/powerpoint/2010/main" xmlns="" val="13199986"/>
-      </p:ext>
-    </p:extLst>
   </p:cSld>
   <p:clrMapOvr>
     <a:masterClrMapping/>
@@ -8913,110 +9792,51 @@
           <a:chExt cx="0" cy="0"/>
         </a:xfrm>
       </p:grpSpPr>
-      <p:sp>
-        <p:nvSpPr>
-          <p:cNvPr id="2" name="Título 1"/>
-          <p:cNvSpPr>
-            <a:spLocks noGrp="1"/>
-          </p:cNvSpPr>
-          <p:nvPr>
-            <p:ph type="title"/>
-          </p:nvPr>
-        </p:nvSpPr>
-        <p:spPr/>
-        <p:txBody>
-          <a:bodyPr/>
-          <a:lstStyle/>
-          <a:p>
-            <a:r>
-              <a:rPr lang="es-CL" dirty="0" err="1" smtClean="0"/>
-              <a:t>Frontend</a:t>
-            </a:r>
-            <a:r>
-              <a:rPr lang="es-CL" dirty="0"/>
-              <a:t> </a:t>
-            </a:r>
-            <a:r>
-              <a:rPr lang="es-CL" dirty="0" smtClean="0"/>
-              <a:t>– Framework	</a:t>
-            </a:r>
-            <a:endParaRPr lang="en-US" dirty="0"/>
-          </a:p>
-        </p:txBody>
-      </p:sp>
-      <p:sp>
-        <p:nvSpPr>
-          <p:cNvPr id="3" name="Marcador de contenido 2"/>
-          <p:cNvSpPr>
-            <a:spLocks noGrp="1"/>
-          </p:cNvSpPr>
-          <p:nvPr>
-            <p:ph idx="1"/>
-          </p:nvPr>
-        </p:nvSpPr>
-        <p:spPr/>
-        <p:txBody>
-          <a:bodyPr/>
-          <a:lstStyle/>
-          <a:p>
-            <a:pPr marL="0" indent="0">
-              <a:buNone/>
-            </a:pPr>
-            <a:r>
-              <a:rPr lang="es-CL" dirty="0" smtClean="0"/>
-              <a:t>Por </a:t>
-            </a:r>
-            <a:r>
-              <a:rPr lang="es-CL" dirty="0"/>
-              <a:t>lo general, se define como aquella aplicación o conjunto de módulos que </a:t>
-            </a:r>
-            <a:r>
-              <a:rPr lang="es-CL" dirty="0" smtClean="0"/>
-              <a:t>permiten o </a:t>
-            </a:r>
-            <a:r>
-              <a:rPr lang="es-CL" dirty="0"/>
-              <a:t>tienen por objetivo, el desarrollo ágil de aplicaciones mediante la aportación de librerías y/o funcionalidades ya creadas para que nosotros las usemos directamente</a:t>
-            </a:r>
-            <a:r>
-              <a:rPr lang="es-CL" dirty="0" smtClean="0"/>
-              <a:t>.</a:t>
-            </a:r>
-          </a:p>
-          <a:p>
-            <a:pPr marL="0" indent="0">
-              <a:buNone/>
-            </a:pPr>
-            <a:endParaRPr lang="es-CL" dirty="0"/>
-          </a:p>
-          <a:p>
-            <a:pPr marL="0" indent="0">
-              <a:buNone/>
-            </a:pPr>
-            <a:r>
-              <a:rPr lang="es-CL" dirty="0"/>
-              <a:t>El objetivo de los </a:t>
-            </a:r>
-            <a:r>
-              <a:rPr lang="es-CL" dirty="0" err="1"/>
-              <a:t>frameworks</a:t>
-            </a:r>
-            <a:r>
-              <a:rPr lang="es-CL" dirty="0"/>
-              <a:t> es hacer que nos centremos en el verdadero problema, y no preocuparnos por implementar funcionalidades que son de uso común en muchas </a:t>
-            </a:r>
-            <a:r>
-              <a:rPr lang="es-CL" dirty="0" smtClean="0"/>
-              <a:t>aplicaciones.</a:t>
-            </a:r>
-            <a:endParaRPr lang="en-US" dirty="0"/>
-          </a:p>
-        </p:txBody>
-      </p:sp>
+      <p:pic>
+        <p:nvPicPr>
+          <p:cNvPr id="1026" name="Picture 2" descr="Resultado de imagen para frontend"/>
+          <p:cNvPicPr>
+            <a:picLocks noChangeAspect="1" noChangeArrowheads="1"/>
+          </p:cNvPicPr>
+          <p:nvPr/>
+        </p:nvPicPr>
+        <p:blipFill>
+          <a:blip r:embed="rId2">
+            <a:extLst>
+              <a:ext uri="{28A0092B-C50C-407E-A947-70E740481C1C}">
+                <a14:useLocalDpi xmlns:a14="http://schemas.microsoft.com/office/drawing/2010/main" val="0"/>
+              </a:ext>
+            </a:extLst>
+          </a:blip>
+          <a:srcRect/>
+          <a:stretch>
+            <a:fillRect/>
+          </a:stretch>
+        </p:blipFill>
+        <p:spPr bwMode="auto">
+          <a:xfrm>
+            <a:off x="2611391" y="1912355"/>
+            <a:ext cx="7477125" cy="3829051"/>
+          </a:xfrm>
+          <a:prstGeom prst="rect">
+            <a:avLst/>
+          </a:prstGeom>
+          <a:noFill/>
+          <a:extLst>
+            <a:ext uri="{909E8E84-426E-40DD-AFC4-6F175D3DCCD1}">
+              <a14:hiddenFill xmlns:a14="http://schemas.microsoft.com/office/drawing/2010/main">
+                <a:solidFill>
+                  <a:srgbClr val="FFFFFF"/>
+                </a:solidFill>
+              </a14:hiddenFill>
+            </a:ext>
+          </a:extLst>
+        </p:spPr>
+      </p:pic>
     </p:spTree>
     <p:extLst>
       <p:ext uri="{BB962C8B-B14F-4D97-AF65-F5344CB8AC3E}">
-        <p14:creationId xmlns:p14="http://schemas.microsoft.com/office/powerpoint/2010/main" xmlns="" val="3729902968"/>
+        <p14:creationId xmlns:p14="http://schemas.microsoft.com/office/powerpoint/2010/main" val="2370101603"/>
       </p:ext>
     </p:extLst>
   </p:cSld>
@@ -9050,119 +9870,51 @@
           <a:chExt cx="0" cy="0"/>
         </a:xfrm>
       </p:grpSpPr>
-      <p:sp>
-        <p:nvSpPr>
-          <p:cNvPr id="2" name="Título 1"/>
-          <p:cNvSpPr>
-            <a:spLocks noGrp="1"/>
-          </p:cNvSpPr>
-          <p:nvPr>
-            <p:ph type="title"/>
-          </p:nvPr>
-        </p:nvSpPr>
-        <p:spPr/>
-        <p:txBody>
-          <a:bodyPr/>
-          <a:lstStyle/>
-          <a:p>
-            <a:r>
-              <a:rPr lang="es-CL" dirty="0" err="1" smtClean="0"/>
-              <a:t>Frontend</a:t>
-            </a:r>
-            <a:r>
-              <a:rPr lang="es-CL" dirty="0" smtClean="0"/>
-              <a:t> - Framework	</a:t>
-            </a:r>
-            <a:endParaRPr lang="en-US" dirty="0"/>
-          </a:p>
-        </p:txBody>
-      </p:sp>
-      <p:sp>
-        <p:nvSpPr>
-          <p:cNvPr id="3" name="Marcador de contenido 2"/>
-          <p:cNvSpPr>
-            <a:spLocks noGrp="1"/>
-          </p:cNvSpPr>
-          <p:nvPr>
-            <p:ph idx="1"/>
-          </p:nvPr>
-        </p:nvSpPr>
-        <p:spPr/>
-        <p:txBody>
-          <a:bodyPr/>
-          <a:lstStyle/>
-          <a:p>
-            <a:r>
-              <a:rPr lang="es-CL" dirty="0" smtClean="0"/>
-              <a:t>Beneficios</a:t>
-            </a:r>
-          </a:p>
-          <a:p>
-            <a:pPr lvl="1"/>
-            <a:r>
-              <a:rPr lang="es-CL" dirty="0" smtClean="0"/>
-              <a:t>Convención sobre configuración</a:t>
-            </a:r>
-          </a:p>
-          <a:p>
-            <a:pPr lvl="1"/>
-            <a:r>
-              <a:rPr lang="es-CL" dirty="0" smtClean="0"/>
-              <a:t>El código testeado</a:t>
-            </a:r>
-          </a:p>
-          <a:p>
-            <a:pPr lvl="1"/>
-            <a:r>
-              <a:rPr lang="es-CL" dirty="0" smtClean="0"/>
-              <a:t>Comunidad </a:t>
-            </a:r>
-            <a:r>
-              <a:rPr lang="es-CL" dirty="0" smtClean="0"/>
-              <a:t>usuarios</a:t>
-            </a:r>
-          </a:p>
-          <a:p>
-            <a:pPr lvl="1"/>
-            <a:r>
-              <a:rPr lang="es-CL" dirty="0" smtClean="0"/>
-              <a:t>Trabajo en </a:t>
-            </a:r>
-            <a:r>
-              <a:rPr lang="es-CL" dirty="0" smtClean="0"/>
-              <a:t>equipo</a:t>
-            </a:r>
-          </a:p>
-          <a:p>
-            <a:pPr lvl="1"/>
-            <a:endParaRPr lang="es-CL" dirty="0"/>
-          </a:p>
-          <a:p>
-            <a:r>
-              <a:rPr lang="es-CL" dirty="0" smtClean="0"/>
-              <a:t>Desventajas</a:t>
-            </a:r>
-          </a:p>
-          <a:p>
-            <a:pPr lvl="1"/>
-            <a:r>
-              <a:rPr lang="es-CL" dirty="0" smtClean="0"/>
-              <a:t>Código basura (subjetivo)</a:t>
-            </a:r>
-          </a:p>
-          <a:p>
-            <a:pPr lvl="1"/>
-            <a:r>
-              <a:rPr lang="es-CL" dirty="0" smtClean="0"/>
-              <a:t>Curva de aprendizaje.</a:t>
-            </a:r>
-          </a:p>
-        </p:txBody>
-      </p:sp>
+      <p:pic>
+        <p:nvPicPr>
+          <p:cNvPr id="2052" name="Picture 4" descr="http://thiagotmendes.com.br/wp-content/uploads/2016/07/iceberg-front-end-back-end-developers-768x819.jpg"/>
+          <p:cNvPicPr>
+            <a:picLocks noChangeAspect="1" noChangeArrowheads="1"/>
+          </p:cNvPicPr>
+          <p:nvPr/>
+        </p:nvPicPr>
+        <p:blipFill>
+          <a:blip r:embed="rId2">
+            <a:extLst>
+              <a:ext uri="{28A0092B-C50C-407E-A947-70E740481C1C}">
+                <a14:useLocalDpi xmlns:a14="http://schemas.microsoft.com/office/drawing/2010/main" val="0"/>
+              </a:ext>
+            </a:extLst>
+          </a:blip>
+          <a:srcRect/>
+          <a:stretch>
+            <a:fillRect/>
+          </a:stretch>
+        </p:blipFill>
+        <p:spPr bwMode="auto">
+          <a:xfrm>
+            <a:off x="3092115" y="225496"/>
+            <a:ext cx="6100012" cy="6505092"/>
+          </a:xfrm>
+          <a:prstGeom prst="rect">
+            <a:avLst/>
+          </a:prstGeom>
+          <a:noFill/>
+          <a:extLst>
+            <a:ext uri="{909E8E84-426E-40DD-AFC4-6F175D3DCCD1}">
+              <a14:hiddenFill xmlns:a14="http://schemas.microsoft.com/office/drawing/2010/main">
+                <a:solidFill>
+                  <a:srgbClr val="FFFFFF"/>
+                </a:solidFill>
+              </a14:hiddenFill>
+            </a:ext>
+          </a:extLst>
+        </p:spPr>
+      </p:pic>
     </p:spTree>
     <p:extLst>
       <p:ext uri="{BB962C8B-B14F-4D97-AF65-F5344CB8AC3E}">
-        <p14:creationId xmlns:p14="http://schemas.microsoft.com/office/powerpoint/2010/main" xmlns="" val="1754372852"/>
+        <p14:creationId xmlns:p14="http://schemas.microsoft.com/office/powerpoint/2010/main" val="1312231755"/>
       </p:ext>
     </p:extLst>
   </p:cSld>
@@ -9196,51 +9948,106 @@
           <a:chExt cx="0" cy="0"/>
         </a:xfrm>
       </p:grpSpPr>
-      <p:pic>
-        <p:nvPicPr>
-          <p:cNvPr id="2052" name="Picture 4" descr="http://thiagotmendes.com.br/wp-content/uploads/2016/07/iceberg-front-end-back-end-developers-768x819.jpg"/>
-          <p:cNvPicPr>
-            <a:picLocks noChangeAspect="1" noChangeArrowheads="1"/>
-          </p:cNvPicPr>
-          <p:nvPr/>
-        </p:nvPicPr>
-        <p:blipFill>
-          <a:blip r:embed="rId2">
-            <a:extLst>
-              <a:ext uri="{28A0092B-C50C-407E-A947-70E740481C1C}">
-                <a14:useLocalDpi xmlns:a14="http://schemas.microsoft.com/office/drawing/2010/main" xmlns="" val="0"/>
-              </a:ext>
-            </a:extLst>
-          </a:blip>
-          <a:srcRect/>
-          <a:stretch>
-            <a:fillRect/>
-          </a:stretch>
-        </p:blipFill>
-        <p:spPr bwMode="auto">
-          <a:xfrm>
-            <a:off x="3092115" y="225496"/>
-            <a:ext cx="6100012" cy="6505092"/>
-          </a:xfrm>
-          <a:prstGeom prst="rect">
-            <a:avLst/>
-          </a:prstGeom>
-          <a:noFill/>
-          <a:extLst>
-            <a:ext uri="{909E8E84-426E-40DD-AFC4-6F175D3DCCD1}">
-              <a14:hiddenFill xmlns:a14="http://schemas.microsoft.com/office/drawing/2010/main" xmlns="">
-                <a:solidFill>
-                  <a:srgbClr val="FFFFFF"/>
-                </a:solidFill>
-              </a14:hiddenFill>
-            </a:ext>
-          </a:extLst>
-        </p:spPr>
-      </p:pic>
+      <p:sp>
+        <p:nvSpPr>
+          <p:cNvPr id="2" name="Título 1"/>
+          <p:cNvSpPr>
+            <a:spLocks noGrp="1"/>
+          </p:cNvSpPr>
+          <p:nvPr>
+            <p:ph type="title"/>
+          </p:nvPr>
+        </p:nvSpPr>
+        <p:spPr/>
+        <p:txBody>
+          <a:bodyPr/>
+          <a:lstStyle/>
+          <a:p>
+            <a:r>
+              <a:rPr lang="es-CL" dirty="0" smtClean="0"/>
+              <a:t>Framework	</a:t>
+            </a:r>
+            <a:endParaRPr lang="en-US" dirty="0"/>
+          </a:p>
+        </p:txBody>
+      </p:sp>
+      <p:sp>
+        <p:nvSpPr>
+          <p:cNvPr id="3" name="Marcador de contenido 2"/>
+          <p:cNvSpPr>
+            <a:spLocks noGrp="1"/>
+          </p:cNvSpPr>
+          <p:nvPr>
+            <p:ph idx="1"/>
+          </p:nvPr>
+        </p:nvSpPr>
+        <p:spPr/>
+        <p:txBody>
+          <a:bodyPr/>
+          <a:lstStyle/>
+          <a:p>
+            <a:pPr marL="0" indent="0">
+              <a:buNone/>
+            </a:pPr>
+            <a:r>
+              <a:rPr lang="es-CL" dirty="0" smtClean="0"/>
+              <a:t>Por </a:t>
+            </a:r>
+            <a:r>
+              <a:rPr lang="es-CL" dirty="0"/>
+              <a:t>lo general, se define como aquella aplicación o conjunto de módulos que </a:t>
+            </a:r>
+            <a:r>
+              <a:rPr lang="es-CL" dirty="0" smtClean="0"/>
+              <a:t>permiten o </a:t>
+            </a:r>
+            <a:r>
+              <a:rPr lang="es-CL" dirty="0"/>
+              <a:t>tienen por objetivo, el desarrollo ágil de aplicaciones mediante la aportación de librerías y/o funcionalidades ya creadas para que nosotros las usemos directamente</a:t>
+            </a:r>
+            <a:r>
+              <a:rPr lang="es-CL" dirty="0" smtClean="0"/>
+              <a:t>.</a:t>
+            </a:r>
+          </a:p>
+          <a:p>
+            <a:pPr marL="0" indent="0">
+              <a:buNone/>
+            </a:pPr>
+            <a:endParaRPr lang="es-CL" dirty="0"/>
+          </a:p>
+          <a:p>
+            <a:pPr marL="0" indent="0">
+              <a:buNone/>
+            </a:pPr>
+            <a:r>
+              <a:rPr lang="es-CL" dirty="0"/>
+              <a:t>El objetivo de los </a:t>
+            </a:r>
+            <a:r>
+              <a:rPr lang="es-CL" dirty="0" err="1" smtClean="0"/>
+              <a:t>framework</a:t>
+            </a:r>
+            <a:r>
+              <a:rPr lang="es-CL" dirty="0" smtClean="0"/>
+              <a:t> </a:t>
+            </a:r>
+            <a:r>
+              <a:rPr lang="es-CL" dirty="0"/>
+              <a:t>es hacer que nos centremos en el verdadero problema, y no preocuparnos por implementar funcionalidades que son de uso común en muchas </a:t>
+            </a:r>
+            <a:r>
+              <a:rPr lang="es-CL" dirty="0" smtClean="0"/>
+              <a:t>aplicaciones.</a:t>
+            </a:r>
+            <a:endParaRPr lang="en-US" dirty="0"/>
+          </a:p>
+        </p:txBody>
+      </p:sp>
     </p:spTree>
     <p:extLst>
       <p:ext uri="{BB962C8B-B14F-4D97-AF65-F5344CB8AC3E}">
-        <p14:creationId xmlns:p14="http://schemas.microsoft.com/office/powerpoint/2010/main" xmlns="" val="1312231755"/>
+        <p14:creationId xmlns:p14="http://schemas.microsoft.com/office/powerpoint/2010/main" val="3729902968"/>
       </p:ext>
     </p:extLst>
   </p:cSld>
@@ -9276,7 +10083,7 @@
       </p:grpSpPr>
       <p:sp>
         <p:nvSpPr>
-          <p:cNvPr id="2" name="1 Título"/>
+          <p:cNvPr id="2" name="Título 1"/>
           <p:cNvSpPr>
             <a:spLocks noGrp="1"/>
           </p:cNvSpPr>
@@ -9290,16 +10097,16 @@
           <a:lstStyle/>
           <a:p>
             <a:r>
-              <a:rPr lang="es-CL" dirty="0" err="1" smtClean="0"/>
-              <a:t>Backend</a:t>
-            </a:r>
-            <a:endParaRPr lang="es-CL" dirty="0"/>
-          </a:p>
-        </p:txBody>
-      </p:sp>
-      <p:sp>
-        <p:nvSpPr>
-          <p:cNvPr id="3" name="2 Marcador de contenido"/>
+              <a:rPr lang="es-CL" dirty="0" smtClean="0"/>
+              <a:t>Framework	</a:t>
+            </a:r>
+            <a:endParaRPr lang="en-US" dirty="0"/>
+          </a:p>
+        </p:txBody>
+      </p:sp>
+      <p:sp>
+        <p:nvSpPr>
+          <p:cNvPr id="3" name="Marcador de contenido 2"/>
           <p:cNvSpPr>
             <a:spLocks noGrp="1"/>
           </p:cNvSpPr>
@@ -9314,63 +10121,80 @@
           <a:p>
             <a:r>
               <a:rPr lang="es-CL" dirty="0" smtClean="0"/>
-              <a:t>Es </a:t>
-            </a:r>
+              <a:t>Beneficios</a:t>
+            </a:r>
+          </a:p>
+          <a:p>
+            <a:pPr lvl="1"/>
             <a:r>
               <a:rPr lang="es-CL" dirty="0" smtClean="0"/>
-              <a:t>aquel que se encuentra del lado del </a:t>
-            </a:r>
+              <a:t>Convención sobre configuración</a:t>
+            </a:r>
+          </a:p>
+          <a:p>
+            <a:pPr lvl="1"/>
             <a:r>
               <a:rPr lang="es-CL" dirty="0" smtClean="0"/>
-              <a:t>servidor</a:t>
-            </a:r>
-          </a:p>
-          <a:p>
+              <a:t>El código testeado</a:t>
+            </a:r>
+          </a:p>
+          <a:p>
+            <a:pPr lvl="1"/>
             <a:r>
               <a:rPr lang="es-CL" dirty="0" smtClean="0"/>
-              <a:t>Se </a:t>
-            </a:r>
+              <a:t>Comunidad usuarios</a:t>
+            </a:r>
+          </a:p>
+          <a:p>
+            <a:pPr lvl="1"/>
             <a:r>
               <a:rPr lang="es-CL" dirty="0" smtClean="0"/>
-              <a:t>encarga de manipulación de los datos </a:t>
-            </a:r>
+              <a:t>Trabajo en equipo</a:t>
+            </a:r>
+          </a:p>
+          <a:p>
+            <a:pPr lvl="1"/>
+            <a:endParaRPr lang="es-CL" dirty="0"/>
+          </a:p>
+          <a:p>
             <a:r>
               <a:rPr lang="es-CL" dirty="0" smtClean="0"/>
-              <a:t>, interactuar </a:t>
-            </a:r>
+              <a:t>Desventajas</a:t>
+            </a:r>
+          </a:p>
+          <a:p>
+            <a:pPr lvl="1"/>
             <a:r>
               <a:rPr lang="es-CL" dirty="0" smtClean="0"/>
-              <a:t>con bases de datos, verificar manejos de sesiones de usuarios, montar la página en un servidor, y desde este “servir” todas las vistas que el </a:t>
-            </a:r>
-            <a:r>
-              <a:rPr lang="es-CL" dirty="0" err="1" smtClean="0"/>
-              <a:t>FrontEnd</a:t>
-            </a:r>
+              <a:t>Código basura (subjetivo)</a:t>
+            </a:r>
+          </a:p>
+          <a:p>
+            <a:pPr lvl="1"/>
             <a:r>
               <a:rPr lang="es-CL" dirty="0" smtClean="0"/>
-              <a:t> </a:t>
-            </a:r>
-            <a:r>
-              <a:rPr lang="es-CL" dirty="0" smtClean="0"/>
-              <a:t>crea.</a:t>
-            </a:r>
-          </a:p>
-          <a:p>
-            <a:endParaRPr lang="es-CL" dirty="0" smtClean="0"/>
-          </a:p>
-          <a:p>
-            <a:pPr>
-              <a:buNone/>
-            </a:pPr>
-            <a:endParaRPr lang="es-CL" dirty="0" smtClean="0"/>
+              <a:t>Curva de aprendizaje.</a:t>
+            </a:r>
           </a:p>
         </p:txBody>
       </p:sp>
     </p:spTree>
+    <p:extLst>
+      <p:ext uri="{BB962C8B-B14F-4D97-AF65-F5344CB8AC3E}">
+        <p14:creationId xmlns:p14="http://schemas.microsoft.com/office/powerpoint/2010/main" val="1754372852"/>
+      </p:ext>
+    </p:extLst>
   </p:cSld>
   <p:clrMapOvr>
     <a:masterClrMapping/>
   </p:clrMapOvr>
+  <p:timing>
+    <p:tnLst>
+      <p:par>
+        <p:cTn id="1" dur="indefinite" restart="never" nodeType="tmRoot"/>
+      </p:par>
+    </p:tnLst>
+  </p:timing>
 </p:sld>
 </file>
 
@@ -9393,7 +10217,7 @@
       </p:grpSpPr>
       <p:sp>
         <p:nvSpPr>
-          <p:cNvPr id="2" name="1 Título"/>
+          <p:cNvPr id="2" name="Título 1"/>
           <p:cNvSpPr>
             <a:spLocks noGrp="1"/>
           </p:cNvSpPr>
@@ -9407,16 +10231,20 @@
           <a:lstStyle/>
           <a:p>
             <a:r>
+              <a:rPr lang="es-CL" dirty="0" smtClean="0"/>
+              <a:t>Framework </a:t>
+            </a:r>
+            <a:r>
               <a:rPr lang="es-CL" dirty="0" err="1" smtClean="0"/>
-              <a:t>Backend</a:t>
-            </a:r>
-            <a:endParaRPr lang="es-CL" dirty="0"/>
-          </a:p>
-        </p:txBody>
-      </p:sp>
-      <p:sp>
-        <p:nvSpPr>
-          <p:cNvPr id="3" name="2 Marcador de contenido"/>
+              <a:t>Frontend</a:t>
+            </a:r>
+            <a:endParaRPr lang="en-US" dirty="0"/>
+          </a:p>
+        </p:txBody>
+      </p:sp>
+      <p:sp>
+        <p:nvSpPr>
+          <p:cNvPr id="3" name="Marcador de contenido 2"/>
           <p:cNvSpPr>
             <a:spLocks noGrp="1"/>
           </p:cNvSpPr>
@@ -9424,265 +10252,74 @@
             <p:ph idx="1"/>
           </p:nvPr>
         </p:nvSpPr>
-        <p:spPr>
-          <a:xfrm>
-            <a:off x="2458583" y="1824842"/>
-            <a:ext cx="8915400" cy="3777622"/>
-          </a:xfrm>
-        </p:spPr>
-        <p:txBody>
-          <a:bodyPr>
-            <a:normAutofit/>
-          </a:bodyPr>
+        <p:spPr/>
+        <p:txBody>
+          <a:bodyPr/>
           <a:lstStyle/>
           <a:p>
             <a:r>
               <a:rPr lang="es-CL" dirty="0" smtClean="0"/>
-              <a:t>Lenguajes y Framework</a:t>
+              <a:t>Framework Populares en GitHub</a:t>
             </a:r>
           </a:p>
           <a:p>
             <a:pPr lvl="1"/>
             <a:r>
+              <a:rPr lang="es-CL" dirty="0" err="1" smtClean="0"/>
+              <a:t>React</a:t>
+            </a:r>
+            <a:endParaRPr lang="es-CL" dirty="0" smtClean="0"/>
+          </a:p>
+          <a:p>
+            <a:pPr lvl="1"/>
+            <a:r>
+              <a:rPr lang="es-CL" dirty="0" err="1" smtClean="0"/>
+              <a:t>Vue</a:t>
+            </a:r>
+            <a:endParaRPr lang="es-CL" dirty="0" smtClean="0"/>
+          </a:p>
+          <a:p>
+            <a:pPr lvl="1"/>
+            <a:r>
               <a:rPr lang="es-CL" dirty="0" smtClean="0"/>
-              <a:t>Java	(Spring MVC, </a:t>
-            </a:r>
+              <a:t>Angular.js</a:t>
+            </a:r>
+          </a:p>
+          <a:p>
+            <a:pPr lvl="1"/>
             <a:r>
               <a:rPr lang="es-CL" dirty="0" err="1" smtClean="0"/>
-              <a:t>Struts</a:t>
-            </a:r>
-            <a:r>
-              <a:rPr lang="es-CL" dirty="0" smtClean="0"/>
-              <a:t> 2)</a:t>
-            </a:r>
+              <a:t>Backbone</a:t>
+            </a:r>
+            <a:endParaRPr lang="es-CL" dirty="0" smtClean="0"/>
           </a:p>
           <a:p>
             <a:pPr lvl="1"/>
             <a:r>
               <a:rPr lang="es-CL" dirty="0" err="1" smtClean="0"/>
-              <a:t>Python</a:t>
-            </a:r>
-            <a:r>
-              <a:rPr lang="es-CL" dirty="0" smtClean="0"/>
-              <a:t> (Django, </a:t>
-            </a:r>
-            <a:r>
-              <a:rPr lang="es-CL" dirty="0" err="1" smtClean="0">
-                <a:hlinkClick r:id="rId2"/>
-              </a:rPr>
-              <a:t>F</a:t>
-            </a:r>
-            <a:r>
-              <a:rPr lang="es-CL" dirty="0" err="1" smtClean="0">
-                <a:hlinkClick r:id="rId2"/>
-              </a:rPr>
-              <a:t>las</a:t>
-            </a:r>
-            <a:r>
-              <a:rPr lang="es-CL" dirty="0" err="1" smtClean="0">
-                <a:hlinkClick r:id="rId2"/>
-              </a:rPr>
-              <a:t>k</a:t>
-            </a:r>
-            <a:r>
-              <a:rPr lang="es-CL" dirty="0" smtClean="0"/>
-              <a:t> , </a:t>
-            </a:r>
-            <a:r>
-              <a:rPr lang="es-CL" dirty="0" smtClean="0"/>
-              <a:t>Tornado)</a:t>
-            </a:r>
-          </a:p>
-          <a:p>
-            <a:pPr lvl="1"/>
-            <a:r>
-              <a:rPr lang="es-CL" dirty="0" smtClean="0"/>
-              <a:t>Elixir (PHOENIX, </a:t>
-            </a:r>
-            <a:r>
-              <a:rPr lang="es-CL" dirty="0" err="1" smtClean="0"/>
-              <a:t>Sugar</a:t>
-            </a:r>
-            <a:r>
-              <a:rPr lang="es-CL" dirty="0" smtClean="0"/>
-              <a:t>)</a:t>
-            </a:r>
-          </a:p>
-          <a:p>
-            <a:pPr lvl="1"/>
-            <a:r>
-              <a:rPr lang="es-CL" dirty="0" err="1" smtClean="0"/>
-              <a:t>Rust</a:t>
-            </a:r>
-            <a:r>
-              <a:rPr lang="es-CL" dirty="0" smtClean="0"/>
-              <a:t> (IRON, </a:t>
-            </a:r>
-            <a:r>
-              <a:rPr lang="es-CL" dirty="0" err="1" smtClean="0">
-                <a:hlinkClick r:id="rId3"/>
-              </a:rPr>
-              <a:t>rustful</a:t>
-            </a:r>
-            <a:r>
-              <a:rPr lang="es-CL" dirty="0" smtClean="0"/>
-              <a:t>)</a:t>
-            </a:r>
-          </a:p>
-          <a:p>
-            <a:pPr lvl="1"/>
-            <a:r>
-              <a:rPr lang="es-CL" dirty="0" err="1" smtClean="0"/>
-              <a:t>Go</a:t>
-            </a:r>
-            <a:r>
-              <a:rPr lang="es-CL" dirty="0" smtClean="0"/>
-              <a:t>(</a:t>
-            </a:r>
-            <a:r>
-              <a:rPr lang="es-CL" dirty="0" err="1" smtClean="0"/>
-              <a:t>Revel</a:t>
-            </a:r>
-            <a:r>
-              <a:rPr lang="es-CL" dirty="0" smtClean="0"/>
-              <a:t>, </a:t>
-            </a:r>
-            <a:r>
-              <a:rPr lang="es-CL" dirty="0" err="1" smtClean="0"/>
-              <a:t>beego</a:t>
-            </a:r>
-            <a:r>
-              <a:rPr lang="es-CL" dirty="0" smtClean="0"/>
-              <a:t>)</a:t>
-            </a:r>
-          </a:p>
-          <a:p>
-            <a:pPr lvl="1"/>
-            <a:r>
-              <a:rPr lang="es-CL" dirty="0" smtClean="0"/>
-              <a:t>PHP (</a:t>
-            </a:r>
-            <a:r>
-              <a:rPr lang="es-CL" dirty="0" err="1" smtClean="0"/>
-              <a:t>Laravel</a:t>
-            </a:r>
-            <a:r>
-              <a:rPr lang="es-CL" dirty="0" smtClean="0"/>
-              <a:t>, </a:t>
-            </a:r>
-            <a:r>
-              <a:rPr lang="es-CL" dirty="0" err="1" smtClean="0"/>
-              <a:t>Fat</a:t>
-            </a:r>
-            <a:r>
-              <a:rPr lang="es-CL" dirty="0" smtClean="0"/>
-              <a:t>-Free Framework)</a:t>
-            </a:r>
-          </a:p>
-          <a:p>
-            <a:pPr lvl="1"/>
-            <a:r>
-              <a:rPr lang="es-CL" dirty="0" err="1" smtClean="0"/>
-              <a:t>Ruby</a:t>
-            </a:r>
-            <a:r>
-              <a:rPr lang="es-CL" dirty="0" smtClean="0"/>
-              <a:t> (</a:t>
-            </a:r>
-            <a:r>
-              <a:rPr lang="es-CL" dirty="0" err="1" smtClean="0"/>
-              <a:t>Ruby</a:t>
-            </a:r>
-            <a:r>
-              <a:rPr lang="es-CL" dirty="0" smtClean="0"/>
-              <a:t> </a:t>
-            </a:r>
-            <a:r>
-              <a:rPr lang="es-CL" dirty="0" err="1" smtClean="0"/>
-              <a:t>on</a:t>
-            </a:r>
-            <a:r>
-              <a:rPr lang="es-CL" dirty="0" smtClean="0"/>
-              <a:t> </a:t>
-            </a:r>
-            <a:r>
-              <a:rPr lang="es-CL" dirty="0" err="1" smtClean="0"/>
-              <a:t>Rails</a:t>
-            </a:r>
-            <a:r>
-              <a:rPr lang="es-CL" dirty="0" smtClean="0"/>
-              <a:t>)</a:t>
-            </a:r>
-            <a:endParaRPr lang="es-CL" dirty="0" smtClean="0"/>
-          </a:p>
-          <a:p>
-            <a:pPr lvl="1"/>
-            <a:r>
-              <a:rPr lang="es-CL" dirty="0" smtClean="0"/>
-              <a:t>C# (</a:t>
-            </a:r>
-            <a:r>
-              <a:rPr lang="es-CL" dirty="0" err="1" smtClean="0"/>
-              <a:t>.Net</a:t>
-            </a:r>
-            <a:r>
-              <a:rPr lang="es-CL" dirty="0" smtClean="0"/>
-              <a:t> 4.5)</a:t>
-            </a:r>
-          </a:p>
-          <a:p>
-            <a:pPr lvl="1"/>
-            <a:r>
-              <a:rPr lang="es-CL" dirty="0" err="1" smtClean="0"/>
-              <a:t>Swift</a:t>
-            </a:r>
-            <a:r>
-              <a:rPr lang="es-CL" dirty="0" smtClean="0"/>
-              <a:t> (</a:t>
-            </a:r>
-            <a:r>
-              <a:rPr lang="es-CL" dirty="0" err="1" smtClean="0">
-                <a:hlinkClick r:id="rId4"/>
-              </a:rPr>
-              <a:t>Cocoa</a:t>
-            </a:r>
-            <a:r>
-              <a:rPr lang="es-CL" dirty="0" smtClean="0"/>
-              <a:t> y </a:t>
-            </a:r>
-            <a:r>
-              <a:rPr lang="es-CL" dirty="0" err="1" smtClean="0">
-                <a:hlinkClick r:id="rId5" tooltip="Cocoa Touch"/>
-              </a:rPr>
-              <a:t>Cocoa</a:t>
-            </a:r>
-            <a:r>
-              <a:rPr lang="es-CL" dirty="0" smtClean="0">
-                <a:hlinkClick r:id="rId5" tooltip="Cocoa Touch"/>
-              </a:rPr>
-              <a:t> </a:t>
-            </a:r>
-            <a:r>
-              <a:rPr lang="es-CL" dirty="0" err="1" smtClean="0">
-                <a:hlinkClick r:id="rId5" tooltip="Cocoa Touch"/>
-              </a:rPr>
-              <a:t>Touch</a:t>
-            </a:r>
-            <a:r>
-              <a:rPr lang="es-CL" dirty="0" smtClean="0"/>
-              <a:t>)</a:t>
-            </a:r>
-          </a:p>
-          <a:p>
-            <a:endParaRPr lang="es-CL" dirty="0"/>
+              <a:t>Todomvc</a:t>
+            </a:r>
+            <a:endParaRPr lang="en-US" dirty="0"/>
           </a:p>
         </p:txBody>
       </p:sp>
     </p:spTree>
+    <p:extLst>
+      <p:ext uri="{BB962C8B-B14F-4D97-AF65-F5344CB8AC3E}">
+        <p14:creationId xmlns:p14="http://schemas.microsoft.com/office/powerpoint/2010/main" val="13199986"/>
+      </p:ext>
+    </p:extLst>
   </p:cSld>
   <p:clrMapOvr>
     <a:masterClrMapping/>
   </p:clrMapOvr>
+  <p:timing>
+    <p:tnLst>
+      <p:par>
+        <p:cTn id="1" dur="indefinite" restart="never" nodeType="tmRoot"/>
+      </p:par>
+    </p:tnLst>
+  </p:timing>
 </p:sld>
 </file>
 
@@ -9923,7 +10560,7 @@
   <a:extraClrSchemeLst/>
   <a:extLst>
     <a:ext uri="{05A4C25C-085E-4340-85A3-A5531E510DB2}">
-      <thm15:themeFamily xmlns:thm15="http://schemas.microsoft.com/office/thememl/2012/main" xmlns="" name="Wisp" id="{7CB32D59-10C0-40DD-B7BD-2E94284A981C}" vid="{24B1A44C-C006-48B2-A4D7-E5549B3D8CD4}"/>
+      <thm15:themeFamily xmlns:thm15="http://schemas.microsoft.com/office/thememl/2012/main" name="Wisp" id="{7CB32D59-10C0-40DD-B7BD-2E94284A981C}" vid="{24B1A44C-C006-48B2-A4D7-E5549B3D8CD4}"/>
     </a:ext>
   </a:extLst>
 </a:theme>
